--- a/db.pptx
+++ b/db.pptx
@@ -7250,7 +7250,7 @@
           <a:p>
             <a:fld id="{16E5F246-0B7D-44DF-8C1B-EDFCA5DA626A}" type="datetimeFigureOut">
               <a:rPr lang="ru-RU" smtClean="0"/>
-              <a:t>17.02.2019</a:t>
+              <a:t>18.02.2019</a:t>
             </a:fld>
             <a:endParaRPr lang="ru-RU"/>
           </a:p>
@@ -8221,55 +8221,7 @@
                 <a:ea typeface="+mn-ea"/>
                 <a:cs typeface="+mn-cs"/>
               </a:rPr>
-              <a:t>Сейчас обсудим, чем мы будем заниматься. Как говорилось выше, БД - сложная штука внутри. Чтобы хорошо разбираться в устройстве хотя бы нескольких БД, нужны годы опыта. Но очень важно также уметь правильно ими пользоваться. Если отправлять в БД </a:t>
-            </a:r>
-            <a:r>
-              <a:rPr lang="ru-RU" sz="1200" b="0" i="0" u="none" strike="noStrike" kern="1200" dirty="0" smtClean="0">
-                <a:solidFill>
-                  <a:schemeClr val="tx1"/>
-                </a:solidFill>
-                <a:effectLst/>
-                <a:latin typeface="+mn-lt"/>
-                <a:ea typeface="+mn-ea"/>
-                <a:cs typeface="+mn-cs"/>
-              </a:rPr>
-              <a:t>неоптимальные </a:t>
-            </a:r>
-            <a:r>
-              <a:rPr lang="ru-RU" sz="1200" b="0" i="0" u="none" strike="noStrike" kern="1200" dirty="0" smtClean="0">
-                <a:solidFill>
-                  <a:schemeClr val="tx1"/>
-                </a:solidFill>
-                <a:effectLst/>
-                <a:latin typeface="+mn-lt"/>
-                <a:ea typeface="+mn-ea"/>
-                <a:cs typeface="+mn-cs"/>
-              </a:rPr>
-              <a:t>запросы, она будет работать медленно. Если неправильно </a:t>
-            </a:r>
-            <a:r>
-              <a:rPr lang="ru-RU" sz="1200" b="0" i="0" u="none" strike="noStrike" kern="1200" dirty="0" smtClean="0">
-                <a:solidFill>
-                  <a:schemeClr val="tx1"/>
-                </a:solidFill>
-                <a:effectLst/>
-                <a:latin typeface="+mn-lt"/>
-                <a:ea typeface="+mn-ea"/>
-                <a:cs typeface="+mn-cs"/>
-              </a:rPr>
-              <a:t>спроектировать, </a:t>
-            </a:r>
-            <a:r>
-              <a:rPr lang="ru-RU" sz="1200" b="0" i="0" u="none" strike="noStrike" kern="1200" dirty="0" smtClean="0">
-                <a:solidFill>
-                  <a:schemeClr val="tx1"/>
-                </a:solidFill>
-                <a:effectLst/>
-                <a:latin typeface="+mn-lt"/>
-                <a:ea typeface="+mn-ea"/>
-                <a:cs typeface="+mn-cs"/>
-              </a:rPr>
-              <a:t>как уложить ваши данные в БД, можно вообще не решить свою задачу.</a:t>
+              <a:t>Сейчас обсудим, чем мы будем заниматься. Как говорилось выше, БД - сложная штука внутри. Чтобы хорошо разбираться в устройстве хотя бы нескольких БД, нужны годы опыта. Но очень важно также уметь правильно ими пользоваться. Если отправлять в БД неоптимальные запросы, она будет работать медленно. Если неправильно спроектировать, как уложить ваши данные в БД, можно вообще не решить свою задачу.</a:t>
             </a:r>
           </a:p>
           <a:p>
@@ -13769,15 +13721,6 @@
               </a:rPr>
               <a:t>.</a:t>
             </a:r>
-            <a:endParaRPr lang="ru-RU" sz="1200" b="0" i="0" u="none" strike="noStrike" kern="1200" dirty="0" smtClean="0">
-              <a:solidFill>
-                <a:schemeClr val="tx1"/>
-              </a:solidFill>
-              <a:effectLst/>
-              <a:latin typeface="+mn-lt"/>
-              <a:ea typeface="+mn-ea"/>
-              <a:cs typeface="+mn-cs"/>
-            </a:endParaRPr>
           </a:p>
           <a:p>
             <a:pPr rtl="0" fontAlgn="base"/>
@@ -14073,7 +14016,19 @@
                 <a:ea typeface="+mn-ea"/>
                 <a:cs typeface="+mn-cs"/>
               </a:rPr>
-              <a:t>] Нужно найти все бронирования на нужный день и просто достать </a:t>
+              <a:t>] Нужно найти все бронирования на нужный день и просто достать паспорта</a:t>
+            </a:r>
+            <a:r>
+              <a:rPr lang="ru-RU" sz="1200" b="0" i="0" u="none" strike="noStrike" kern="1200" baseline="0" dirty="0" smtClean="0">
+                <a:solidFill>
+                  <a:schemeClr val="tx1"/>
+                </a:solidFill>
+                <a:effectLst/>
+                <a:latin typeface="+mn-lt"/>
+                <a:ea typeface="+mn-ea"/>
+                <a:cs typeface="+mn-cs"/>
+              </a:rPr>
+              <a:t> гостей</a:t>
             </a:r>
             <a:r>
               <a:rPr lang="ru-RU" sz="1200" b="0" i="0" u="none" strike="noStrike" kern="1200" dirty="0" smtClean="0">
@@ -14085,41 +14040,8 @@
                 <a:ea typeface="+mn-ea"/>
                 <a:cs typeface="+mn-cs"/>
               </a:rPr>
-              <a:t>паспорта</a:t>
-            </a:r>
-            <a:r>
-              <a:rPr lang="ru-RU" sz="1200" b="0" i="0" u="none" strike="noStrike" kern="1200" baseline="0" dirty="0" smtClean="0">
-                <a:solidFill>
-                  <a:schemeClr val="tx1"/>
-                </a:solidFill>
-                <a:effectLst/>
-                <a:latin typeface="+mn-lt"/>
-                <a:ea typeface="+mn-ea"/>
-                <a:cs typeface="+mn-cs"/>
-              </a:rPr>
-              <a:t> гостей</a:t>
-            </a:r>
-            <a:r>
-              <a:rPr lang="ru-RU" sz="1200" b="0" i="0" u="none" strike="noStrike" kern="1200" dirty="0" smtClean="0">
-                <a:solidFill>
-                  <a:schemeClr val="tx1"/>
-                </a:solidFill>
-                <a:effectLst/>
-                <a:latin typeface="+mn-lt"/>
-                <a:ea typeface="+mn-ea"/>
-                <a:cs typeface="+mn-cs"/>
-              </a:rPr>
               <a:t>.</a:t>
             </a:r>
-            <a:endParaRPr lang="ru-RU" sz="1200" b="0" i="0" u="none" strike="noStrike" kern="1200" dirty="0" smtClean="0">
-              <a:solidFill>
-                <a:schemeClr val="tx1"/>
-              </a:solidFill>
-              <a:effectLst/>
-              <a:latin typeface="+mn-lt"/>
-              <a:ea typeface="+mn-ea"/>
-              <a:cs typeface="+mn-cs"/>
-            </a:endParaRPr>
           </a:p>
           <a:p>
             <a:pPr rtl="0" fontAlgn="base"/>
@@ -15736,11 +15658,7 @@
           <a:p>
             <a:r>
               <a:rPr lang="ru-RU" dirty="0" smtClean="0"/>
-              <a:t>Все </a:t>
-            </a:r>
-            <a:r>
-              <a:rPr lang="ru-RU" dirty="0" smtClean="0"/>
-              <a:t>они разные и заточены под свои цели. И различие можно проводить по совершенно разным измерениям.</a:t>
+              <a:t>Все они разные и заточены под свои цели. И различие можно проводить по совершенно разным измерениям.</a:t>
             </a:r>
             <a:endParaRPr lang="ru-RU" dirty="0"/>
           </a:p>
@@ -16542,11 +16460,7 @@
             </a:r>
             <a:r>
               <a:rPr lang="ru-RU" baseline="0" dirty="0" smtClean="0"/>
-              <a:t> </a:t>
-            </a:r>
-            <a:r>
-              <a:rPr lang="ru-RU" baseline="0" dirty="0" smtClean="0"/>
-              <a:t>эти имена пришли из SQL. Но реляционная модель оказалась не очень подходящей для века, когда нужны большие нагрузки и много-много данных. Эту нишу начали заполнять так называемые </a:t>
+              <a:t> эти имена пришли из SQL. Но реляционная модель оказалась не очень подходящей для века, когда нужны большие нагрузки и много-много данных. Эту нишу начали заполнять так называемые </a:t>
             </a:r>
             <a:r>
               <a:rPr lang="ru-RU" baseline="0" dirty="0" err="1" smtClean="0"/>
@@ -16603,11 +16517,7 @@
             </a:r>
             <a:r>
               <a:rPr lang="ru-RU" baseline="0" dirty="0" smtClean="0"/>
-              <a:t> SQL</a:t>
-            </a:r>
-            <a:r>
-              <a:rPr lang="ru-RU" baseline="0" dirty="0" smtClean="0"/>
-              <a:t>»</a:t>
+              <a:t> SQL»</a:t>
             </a:r>
             <a:r>
               <a:rPr lang="en-US" baseline="0" dirty="0" smtClean="0"/>
@@ -16623,11 +16533,7 @@
             </a:r>
             <a:r>
               <a:rPr lang="ru-RU" baseline="0" dirty="0" smtClean="0"/>
-              <a:t>-ем единым»! </a:t>
-            </a:r>
-            <a:r>
-              <a:rPr lang="ru-RU" baseline="0" dirty="0" smtClean="0"/>
-              <a:t>Если следовать определению из Википедии, то: </a:t>
+              <a:t>-ем единым»! Если следовать определению из Википедии, то: </a:t>
             </a:r>
             <a:r>
               <a:rPr lang="en-US" baseline="0" dirty="0" smtClean="0"/>
@@ -16635,15 +16541,7 @@
             </a:r>
             <a:r>
               <a:rPr lang="ru-RU" baseline="0" dirty="0" smtClean="0"/>
-              <a:t> термин, обозначающий ряд подходов, направленных на реализацию хранилищ баз данных, имеющих существенные отличия от моделей, используемых в традиционных реляционных СУБД. Применяется к базам данных, в которых делается попытка решить проблемы масштабируемости и доступности за счёт </a:t>
-            </a:r>
-            <a:r>
-              <a:rPr lang="ru-RU" baseline="0" dirty="0" smtClean="0"/>
-              <a:t>жертв гарантий атомарности </a:t>
-            </a:r>
-            <a:r>
-              <a:rPr lang="ru-RU" baseline="0" dirty="0" smtClean="0"/>
-              <a:t>(англ. </a:t>
+              <a:t> термин, обозначающий ряд подходов, направленных на реализацию хранилищ баз данных, имеющих существенные отличия от моделей, используемых в традиционных реляционных СУБД. Применяется к базам данных, в которых делается попытка решить проблемы масштабируемости и доступности за счёт жертв гарантий атомарности (англ. </a:t>
             </a:r>
             <a:r>
               <a:rPr lang="ru-RU" baseline="0" dirty="0" err="1" smtClean="0"/>
@@ -16651,15 +16549,7 @@
             </a:r>
             <a:r>
               <a:rPr lang="ru-RU" baseline="0" dirty="0" smtClean="0"/>
-              <a:t>) и </a:t>
-            </a:r>
-            <a:r>
-              <a:rPr lang="ru-RU" baseline="0" dirty="0" smtClean="0"/>
-              <a:t>согласованности </a:t>
-            </a:r>
-            <a:r>
-              <a:rPr lang="ru-RU" baseline="0" dirty="0" smtClean="0"/>
-              <a:t>данных (англ. </a:t>
+              <a:t>) и согласованности данных (англ. </a:t>
             </a:r>
             <a:r>
               <a:rPr lang="ru-RU" baseline="0" dirty="0" err="1" smtClean="0"/>
@@ -16684,11 +16574,7 @@
             </a:r>
             <a:r>
               <a:rPr lang="ru-RU" baseline="0" dirty="0" smtClean="0"/>
-              <a:t>базы данных широко используются по всему миру. Мы в нашем курсе </a:t>
-            </a:r>
-            <a:r>
-              <a:rPr lang="ru-RU" baseline="0" dirty="0" smtClean="0"/>
-              <a:t>будем работать с одним конкретным типом </a:t>
+              <a:t>базы данных широко используются по всему миру. Мы в нашем курсе будем работать с одним конкретным типом </a:t>
             </a:r>
             <a:r>
               <a:rPr lang="en-US" baseline="0" dirty="0" smtClean="0"/>
@@ -16721,11 +16607,7 @@
             </a:pPr>
             <a:r>
               <a:rPr lang="ru-RU" baseline="0" dirty="0" smtClean="0"/>
-              <a:t>Они интуитивно понятны. Не нужно вникать в реляционную алгебру, чтобы хранить данные. </a:t>
-            </a:r>
-            <a:r>
-              <a:rPr lang="ru-RU" baseline="0" dirty="0" smtClean="0"/>
-              <a:t>Документные базы</a:t>
+              <a:t>Они интуитивно понятны. Не нужно вникать в реляционную алгебру, чтобы хранить данные. Документные базы</a:t>
             </a:r>
             <a:r>
               <a:rPr lang="en-US" baseline="0" dirty="0" smtClean="0"/>
@@ -16742,11 +16624,7 @@
             </a:pPr>
             <a:r>
               <a:rPr lang="ru-RU" baseline="0" dirty="0" smtClean="0"/>
-              <a:t>Реляционные БД </a:t>
-            </a:r>
-            <a:r>
-              <a:rPr lang="ru-RU" baseline="0" dirty="0" smtClean="0"/>
-              <a:t>(</a:t>
+              <a:t>Реляционные БД (</a:t>
             </a:r>
             <a:r>
               <a:rPr lang="en-US" baseline="0" dirty="0" smtClean="0"/>
@@ -16762,13 +16640,8 @@
             </a:r>
             <a:r>
               <a:rPr lang="ru-RU" baseline="0" dirty="0" smtClean="0"/>
-              <a:t>обычно в каком-то виде рассматриваются на традиционных курсах по БД в </a:t>
-            </a:r>
-            <a:r>
-              <a:rPr lang="ru-RU" baseline="0" dirty="0" smtClean="0"/>
-              <a:t>университете.</a:t>
-            </a:r>
-            <a:endParaRPr lang="ru-RU" baseline="0" dirty="0" smtClean="0"/>
+              <a:t>обычно в каком-то виде рассматриваются на традиционных курсах по БД в университете.</a:t>
+            </a:r>
           </a:p>
           <a:p>
             <a:endParaRPr lang="ru-RU" baseline="0" dirty="0" smtClean="0"/>
@@ -20870,7 +20743,19 @@
           <a:p>
             <a:r>
               <a:rPr lang="ru-RU" dirty="0" smtClean="0"/>
-              <a:t>Проектирование структуры Базы данных</a:t>
+              <a:t>Проектирование структуры </a:t>
+            </a:r>
+            <a:r>
+              <a:rPr lang="ru-RU" dirty="0" smtClean="0"/>
+              <a:t>Базы</a:t>
+            </a:r>
+            <a:r>
+              <a:rPr lang="en-US" dirty="0" smtClean="0"/>
+              <a:t> </a:t>
+            </a:r>
+            <a:r>
+              <a:rPr lang="ru-RU" dirty="0" smtClean="0"/>
+              <a:t>данных</a:t>
             </a:r>
             <a:endParaRPr lang="en-US" dirty="0"/>
           </a:p>
@@ -20901,19 +20786,11 @@
               <a:rPr lang="en-US" dirty="0" smtClean="0">
                 <a:hlinkClick r:id="rId3"/>
               </a:rPr>
-              <a:t>github.com/</a:t>
-            </a:r>
-            <a:r>
-              <a:rPr lang="en-US" dirty="0" smtClean="0">
-                <a:hlinkClick r:id="rId4"/>
-              </a:rPr>
-              <a:t>kontur-courses</a:t>
-            </a:r>
-            <a:r>
-              <a:rPr lang="en-US" dirty="0" smtClean="0">
-                <a:hlinkClick r:id="rId3"/>
-              </a:rPr>
-              <a:t>/db</a:t>
+              <a:t>github.com/kontur-courses/web-game</a:t>
+            </a:r>
+            <a:r>
+              <a:rPr lang="en-US" dirty="0" smtClean="0"/>
+              <a:t> </a:t>
             </a:r>
             <a:endParaRPr lang="en-US" b="1" dirty="0" smtClean="0"/>
           </a:p>
@@ -20931,7 +20808,7 @@
           <p:nvPr/>
         </p:nvPicPr>
         <p:blipFill>
-          <a:blip r:embed="rId5" cstate="print">
+          <a:blip r:embed="rId4" cstate="print">
             <a:extLst>
               <a:ext uri="{28A0092B-C50C-407E-A947-70E740481C1C}">
                 <a14:useLocalDpi xmlns:a14="http://schemas.microsoft.com/office/drawing/2010/main" val="0"/>
@@ -21011,11 +20888,7 @@
           <a:p>
             <a:r>
               <a:rPr lang="ru-RU" dirty="0" smtClean="0"/>
-              <a:t>1. </a:t>
-            </a:r>
-            <a:r>
-              <a:rPr lang="ru-RU" dirty="0" smtClean="0"/>
-              <a:t>Данные </a:t>
+              <a:t>1. Данные </a:t>
             </a:r>
             <a:r>
               <a:rPr lang="ru-RU" dirty="0"/>
@@ -21116,11 +20989,7 @@
             <a:pPr fontAlgn="base"/>
             <a:r>
               <a:rPr lang="ru-RU" dirty="0" smtClean="0"/>
-              <a:t>2. </a:t>
-            </a:r>
-            <a:r>
-              <a:rPr lang="ru-RU" dirty="0" smtClean="0"/>
-              <a:t>Данные </a:t>
+              <a:t>2. Данные </a:t>
             </a:r>
             <a:r>
               <a:rPr lang="ru-RU" dirty="0"/>
@@ -21151,15 +21020,7 @@
             </a:r>
             <a:r>
               <a:rPr lang="ru-RU" dirty="0" smtClean="0"/>
-              <a:t>не </a:t>
-            </a:r>
-            <a:r>
-              <a:rPr lang="ru-RU" dirty="0" smtClean="0"/>
-              <a:t>сохранить </a:t>
-            </a:r>
-            <a:r>
-              <a:rPr lang="ru-RU" dirty="0" smtClean="0"/>
-              <a:t>данные</a:t>
+              <a:t>не сохранить данные</a:t>
             </a:r>
             <a:endParaRPr lang="ru-RU" dirty="0"/>
           </a:p>
@@ -21262,11 +21123,7 @@
             <a:pPr fontAlgn="base"/>
             <a:r>
               <a:rPr lang="ru-RU" dirty="0" smtClean="0"/>
-              <a:t>3. </a:t>
-            </a:r>
-            <a:r>
-              <a:rPr lang="ru-RU" dirty="0" smtClean="0"/>
-              <a:t>Распределенная БД </a:t>
+              <a:t>3. Распределенная БД </a:t>
             </a:r>
             <a:r>
               <a:rPr lang="ru-RU" dirty="0"/>
@@ -21464,11 +21321,7 @@
             </a:pPr>
             <a:r>
               <a:rPr lang="ru-RU" dirty="0" smtClean="0"/>
-              <a:t>Д</a:t>
-            </a:r>
-            <a:r>
-              <a:rPr lang="ru-RU" dirty="0" smtClean="0"/>
-              <a:t>анные </a:t>
+              <a:t>Данные </a:t>
             </a:r>
             <a:r>
               <a:rPr lang="ru-RU" dirty="0"/>
@@ -21736,7 +21589,6 @@
               <a:rPr lang="ru-RU" dirty="0" smtClean="0"/>
               <a:t>О чём поговорим:</a:t>
             </a:r>
-            <a:endParaRPr lang="ru-RU" dirty="0" smtClean="0"/>
           </a:p>
           <a:p>
             <a:pPr marL="457200" indent="-457200">
@@ -22577,6 +22429,13 @@
   <p:clrMapOvr>
     <a:masterClrMapping/>
   </p:clrMapOvr>
+  <p:timing>
+    <p:tnLst>
+      <p:par>
+        <p:cTn id="1" dur="indefinite" restart="never" nodeType="tmRoot"/>
+      </p:par>
+    </p:tnLst>
+  </p:timing>
 </p:sld>
 </file>
 
@@ -25224,7 +25083,6 @@
               <a:rPr lang="en-US" dirty="0" smtClean="0"/>
               <a:t>Messages:</a:t>
             </a:r>
-            <a:endParaRPr lang="en-US" dirty="0" smtClean="0"/>
           </a:p>
           <a:p>
             <a:pPr marL="1200095" lvl="1" indent="-457200"/>
@@ -25569,11 +25427,7 @@
           <a:p>
             <a:r>
               <a:rPr lang="ru-RU" dirty="0" smtClean="0"/>
-              <a:t>Идеально, если поиски будут происходить </a:t>
-            </a:r>
-            <a:r>
-              <a:rPr lang="ru-RU" dirty="0" smtClean="0"/>
-              <a:t>по</a:t>
+              <a:t>Идеально, если поиски будут происходить по</a:t>
             </a:r>
             <a:r>
               <a:rPr lang="en-US" dirty="0" smtClean="0"/>
@@ -25581,11 +25435,7 @@
             </a:r>
             <a:r>
               <a:rPr lang="ru-RU" dirty="0" smtClean="0"/>
-              <a:t>точечному</a:t>
-            </a:r>
-            <a:r>
-              <a:rPr lang="ru-RU" dirty="0" smtClean="0"/>
-              <a:t>, известному ключу.</a:t>
+              <a:t>точечному, известному ключу.</a:t>
             </a:r>
             <a:endParaRPr lang="ru-RU" dirty="0"/>
           </a:p>
@@ -25705,11 +25555,7 @@
             </a:pPr>
             <a:r>
               <a:rPr lang="ru-RU" dirty="0" smtClean="0"/>
-              <a:t>А где можно просто отфильтровать, опираясь на знание природы данных и сэкономить </a:t>
-            </a:r>
-            <a:r>
-              <a:rPr lang="ru-RU" dirty="0" smtClean="0"/>
-              <a:t>на</a:t>
+              <a:t>А где можно просто отфильтровать, опираясь на знание природы данных и сэкономить на</a:t>
             </a:r>
             <a:r>
               <a:rPr lang="en-US" dirty="0" smtClean="0"/>
@@ -25809,15 +25655,7 @@
                   <a:schemeClr val="accent1"/>
                 </a:solidFill>
               </a:rPr>
-              <a:t>Выбор самой БД</a:t>
-            </a:r>
-            <a:r>
-              <a:rPr lang="ru-RU" dirty="0" smtClean="0">
-                <a:solidFill>
-                  <a:schemeClr val="accent1"/>
-                </a:solidFill>
-              </a:rPr>
-              <a:t>:</a:t>
+              <a:t>Выбор самой БД:</a:t>
             </a:r>
             <a:endParaRPr lang="en-US" dirty="0" smtClean="0">
               <a:solidFill>
@@ -26567,25 +26405,13 @@
               <a:rPr lang="en-US" sz="1800" dirty="0">
                 <a:latin typeface="Consolas" panose="020B0609020204030204" pitchFamily="49" charset="0"/>
               </a:rPr>
-              <a:t> </a:t>
-            </a:r>
-            <a:r>
-              <a:rPr lang="en-US" sz="1800" dirty="0">
-                <a:latin typeface="Consolas" panose="020B0609020204030204" pitchFamily="49" charset="0"/>
-              </a:rPr>
-              <a:t>g</a:t>
+              <a:t> g</a:t>
             </a:r>
             <a:r>
               <a:rPr lang="en-US" sz="1800" dirty="0" smtClean="0">
                 <a:latin typeface="Consolas" panose="020B0609020204030204" pitchFamily="49" charset="0"/>
               </a:rPr>
-              <a:t>uests</a:t>
-            </a:r>
-            <a:r>
-              <a:rPr lang="en-US" sz="1800" dirty="0" smtClean="0">
-                <a:latin typeface="Consolas" panose="020B0609020204030204" pitchFamily="49" charset="0"/>
-              </a:rPr>
-              <a:t>);</a:t>
+              <a:t>uests);</a:t>
             </a:r>
             <a:endParaRPr lang="en-US" sz="1800" dirty="0">
               <a:latin typeface="Consolas" panose="020B0609020204030204" pitchFamily="49" charset="0"/>
@@ -27037,17 +26863,8 @@
             </a:pPr>
             <a:r>
               <a:rPr lang="ru-RU" dirty="0" smtClean="0"/>
-              <a:t>Описываем </a:t>
-            </a:r>
-            <a:r>
-              <a:rPr lang="ru-RU" dirty="0" smtClean="0"/>
-              <a:t>коллекцию как набор </a:t>
-            </a:r>
-            <a:r>
-              <a:rPr lang="ru-RU" dirty="0" smtClean="0"/>
-              <a:t>полей.</a:t>
-            </a:r>
-            <a:endParaRPr lang="ru-RU" dirty="0" smtClean="0"/>
+              <a:t>Описываем коллекцию как набор полей.</a:t>
+            </a:r>
           </a:p>
           <a:p>
             <a:pPr marL="457200" indent="-457200">
@@ -27056,13 +26873,8 @@
             </a:pPr>
             <a:r>
               <a:rPr lang="ru-RU" dirty="0" smtClean="0"/>
-              <a:t>Если над полем надо построить индекс, явно пишем об этом в колонке атрибутов </a:t>
-            </a:r>
-            <a:r>
-              <a:rPr lang="ru-RU" dirty="0" smtClean="0"/>
-              <a:t>поля.</a:t>
-            </a:r>
-            <a:endParaRPr lang="ru-RU" dirty="0" smtClean="0"/>
+              <a:t>Если над полем надо построить индекс, явно пишем об этом в колонке атрибутов поля.</a:t>
+            </a:r>
           </a:p>
           <a:p>
             <a:pPr marL="457200" indent="-457200">
@@ -27071,11 +26883,7 @@
             </a:pPr>
             <a:r>
               <a:rPr lang="ru-RU" dirty="0" smtClean="0"/>
-              <a:t>Указываем, какой </a:t>
-            </a:r>
-            <a:r>
-              <a:rPr lang="ru-RU" dirty="0" smtClean="0"/>
-              <a:t>индекс: </a:t>
+              <a:t>Указываем, какой индекс: </a:t>
             </a:r>
             <a:r>
               <a:rPr lang="en-US" dirty="0" smtClean="0"/>
@@ -27096,7 +26904,6 @@
               <a:rPr lang="ru-RU" dirty="0" smtClean="0"/>
               <a:t>Отмечаем поле для первичного ключа.</a:t>
             </a:r>
-            <a:endParaRPr lang="ru-RU" dirty="0" smtClean="0"/>
           </a:p>
           <a:p>
             <a:pPr marL="457200" indent="-457200">
@@ -27107,20 +26914,12 @@
               <a:rPr lang="ru-RU" dirty="0" smtClean="0"/>
               <a:t>Запросы описываем словами. </a:t>
             </a:r>
-            <a:r>
-              <a:rPr lang="ru-RU" dirty="0" smtClean="0"/>
-              <a:t/>
-            </a:r>
             <a:br>
               <a:rPr lang="ru-RU" dirty="0" smtClean="0"/>
             </a:br>
             <a:r>
               <a:rPr lang="ru-RU" dirty="0" smtClean="0"/>
-              <a:t>Коротко </a:t>
-            </a:r>
-            <a:r>
-              <a:rPr lang="ru-RU" dirty="0" smtClean="0"/>
-              <a:t>и ясно, как и где происходит запрос.</a:t>
+              <a:t>Коротко и ясно, как и где происходит запрос.</a:t>
             </a:r>
             <a:endParaRPr lang="ru-RU" dirty="0"/>
           </a:p>
@@ -27143,11 +26942,7 @@
           <a:p>
             <a:r>
               <a:rPr lang="ru-RU" dirty="0" smtClean="0"/>
-              <a:t>Как </a:t>
-            </a:r>
-            <a:r>
-              <a:rPr lang="ru-RU" dirty="0" smtClean="0"/>
-              <a:t>Проектировать БД?</a:t>
+              <a:t>Как Проектировать БД?</a:t>
             </a:r>
             <a:endParaRPr lang="ru-RU" dirty="0"/>
           </a:p>
@@ -28088,11 +27883,7 @@
           <a:p>
             <a:r>
               <a:rPr lang="ru-RU" dirty="0" smtClean="0"/>
-              <a:t>Задача: Бронирование </a:t>
-            </a:r>
-            <a:r>
-              <a:rPr lang="ru-RU" dirty="0" smtClean="0"/>
-              <a:t>комнат</a:t>
+              <a:t>Задача: Бронирование комнат</a:t>
             </a:r>
             <a:endParaRPr lang="ru-RU" dirty="0"/>
           </a:p>
@@ -30062,15 +29853,7 @@
             </a:r>
             <a:r>
               <a:rPr lang="ru-RU" dirty="0" smtClean="0"/>
-              <a:t> </a:t>
-            </a:r>
-            <a:r>
-              <a:rPr lang="ru-RU" dirty="0" smtClean="0"/>
-              <a:t>масштабирование </a:t>
-            </a:r>
-            <a:r>
-              <a:rPr lang="ru-RU" dirty="0" smtClean="0"/>
-              <a:t>на</a:t>
+              <a:t> масштабирование на</a:t>
             </a:r>
             <a:r>
               <a:rPr lang="en-US" dirty="0" smtClean="0"/>
@@ -30078,11 +29861,7 @@
             </a:r>
             <a:r>
               <a:rPr lang="ru-RU" dirty="0" smtClean="0"/>
-              <a:t>много </a:t>
-            </a:r>
-            <a:r>
-              <a:rPr lang="ru-RU" dirty="0" smtClean="0"/>
-              <a:t>машин.</a:t>
+              <a:t>много машин.</a:t>
             </a:r>
           </a:p>
           <a:p>
@@ -30100,11 +29879,7 @@
             </a:r>
             <a:r>
               <a:rPr lang="ru-RU" dirty="0" smtClean="0"/>
-              <a:t> </a:t>
-            </a:r>
-            <a:r>
-              <a:rPr lang="ru-RU" dirty="0" smtClean="0"/>
-              <a:t>работают в </a:t>
+              <a:t> работают в </a:t>
             </a:r>
             <a:r>
               <a:rPr lang="ru-RU" dirty="0"/>

--- a/db.pptx
+++ b/db.pptx
@@ -7320,7 +7320,7 @@
           <a:p>
             <a:fld id="{16E5F246-0B7D-44DF-8C1B-EDFCA5DA626A}" type="datetimeFigureOut">
               <a:rPr lang="ru-RU" smtClean="0"/>
-              <a:t>20.03.2019</a:t>
+              <a:t>06.05.2019</a:t>
             </a:fld>
             <a:endParaRPr lang="ru-RU"/>
           </a:p>
@@ -8450,15 +8450,7 @@
           <a:p>
             <a:r>
               <a:rPr lang="ru-RU" dirty="0" smtClean="0"/>
-              <a:t>На самом деле невозможно найти или написать такую БД, которая бы удовлетворяла всем этим критериям на 100%. И для подавляющего большинства реальных сценариев наиболее важными обычно оказываются </a:t>
-            </a:r>
-            <a:r>
-              <a:rPr lang="ru-RU" dirty="0" smtClean="0"/>
-              <a:t>указанные </a:t>
-            </a:r>
-            <a:r>
-              <a:rPr lang="ru-RU" dirty="0" smtClean="0"/>
-              <a:t>три пункта</a:t>
+              <a:t>На самом деле невозможно найти или написать такую БД, которая бы удовлетворяла всем этим критериям на 100%. И для подавляющего большинства реальных сценариев наиболее важными обычно оказываются указанные три пункта</a:t>
             </a:r>
             <a:r>
               <a:rPr lang="en-US" dirty="0" smtClean="0"/>
@@ -8472,11 +8464,7 @@
             </a:r>
             <a:r>
               <a:rPr lang="ru-RU" baseline="0" dirty="0" smtClean="0"/>
-              <a:t> не потому, что разработчики ленивые, а потому, что это ограничения физического мира</a:t>
-            </a:r>
-            <a:r>
-              <a:rPr lang="ru-RU" baseline="0" dirty="0" smtClean="0"/>
-              <a:t>.</a:t>
+              <a:t> не потому, что разработчики ленивые, а потому, что это ограничения физического мира.</a:t>
             </a:r>
             <a:endParaRPr lang="ru-RU" dirty="0"/>
           </a:p>
@@ -10692,10 +10680,10 @@
                 <a:ea typeface="+mn-ea"/>
                 <a:cs typeface="+mn-cs"/>
               </a:rPr>
-              <a:t>Можно </a:t>
-            </a:r>
-            <a:r>
-              <a:rPr lang="ru-RU" sz="1200" b="0" i="0" u="none" strike="noStrike" kern="1200" dirty="0" smtClean="0">
+              <a:t>Можно абстрагироваться от</a:t>
+            </a:r>
+            <a:r>
+              <a:rPr lang="ru-RU" sz="1200" b="0" i="0" u="none" strike="noStrike" kern="1200" baseline="0" dirty="0" smtClean="0">
                 <a:solidFill>
                   <a:schemeClr val="tx1"/>
                 </a:solidFill>
@@ -10704,10 +10692,10 @@
                 <a:ea typeface="+mn-ea"/>
                 <a:cs typeface="+mn-cs"/>
               </a:rPr>
-              <a:t>абстрагироваться от</a:t>
-            </a:r>
-            <a:r>
-              <a:rPr lang="ru-RU" sz="1200" b="0" i="0" u="none" strike="noStrike" kern="1200" baseline="0" dirty="0" smtClean="0">
+              <a:t> конкретной структуры данных, с помощью которой создан </a:t>
+            </a:r>
+            <a:r>
+              <a:rPr lang="en-US" sz="1200" b="0" i="0" u="none" strike="noStrike" kern="1200" baseline="0" dirty="0" smtClean="0">
                 <a:solidFill>
                   <a:schemeClr val="tx1"/>
                 </a:solidFill>
@@ -10716,7 +10704,7 @@
                 <a:ea typeface="+mn-ea"/>
                 <a:cs typeface="+mn-cs"/>
               </a:rPr>
-              <a:t> конкретной структуры данных</a:t>
+              <a:t>ordered index</a:t>
             </a:r>
             <a:r>
               <a:rPr lang="ru-RU" sz="1200" b="0" i="0" u="none" strike="noStrike" kern="1200" baseline="0" dirty="0" smtClean="0">
@@ -10728,7 +10716,7 @@
                 <a:ea typeface="+mn-ea"/>
                 <a:cs typeface="+mn-cs"/>
               </a:rPr>
-              <a:t>, с помощью которой создан </a:t>
+              <a:t>, просто считать, что она поддерживает порядок по какому-то полю, за счёт чего умеет быстро </a:t>
             </a:r>
             <a:r>
               <a:rPr lang="en-US" sz="1200" b="0" i="0" u="none" strike="noStrike" kern="1200" baseline="0" dirty="0" smtClean="0">
@@ -10740,10 +10728,10 @@
                 <a:ea typeface="+mn-ea"/>
                 <a:cs typeface="+mn-cs"/>
               </a:rPr>
-              <a:t>ordered index</a:t>
-            </a:r>
-            <a:r>
-              <a:rPr lang="ru-RU" sz="1200" b="0" i="0" u="none" strike="noStrike" kern="1200" baseline="0" dirty="0" smtClean="0">
+              <a:t>O(</a:t>
+            </a:r>
+            <a:r>
+              <a:rPr lang="en-US" sz="1200" b="0" i="0" u="none" strike="noStrike" kern="1200" baseline="0" dirty="0" err="1" smtClean="0">
                 <a:solidFill>
                   <a:schemeClr val="tx1"/>
                 </a:solidFill>
@@ -10752,10 +10740,10 @@
                 <a:ea typeface="+mn-ea"/>
                 <a:cs typeface="+mn-cs"/>
               </a:rPr>
-              <a:t>, </a:t>
-            </a:r>
-            <a:r>
-              <a:rPr lang="ru-RU" sz="1200" b="0" i="0" u="none" strike="noStrike" kern="1200" baseline="0" dirty="0" smtClean="0">
+              <a:t>logN</a:t>
+            </a:r>
+            <a:r>
+              <a:rPr lang="en-US" sz="1200" b="0" i="0" u="none" strike="noStrike" kern="1200" baseline="0" dirty="0" smtClean="0">
                 <a:solidFill>
                   <a:schemeClr val="tx1"/>
                 </a:solidFill>
@@ -10764,10 +10752,10 @@
                 <a:ea typeface="+mn-ea"/>
                 <a:cs typeface="+mn-cs"/>
               </a:rPr>
-              <a:t>просто считать, что она поддерживает порядок по какому-то полю, за счёт чего умеет быстро </a:t>
-            </a:r>
-            <a:r>
-              <a:rPr lang="en-US" sz="1200" b="0" i="0" u="none" strike="noStrike" kern="1200" baseline="0" dirty="0" smtClean="0">
+              <a:t>) </a:t>
+            </a:r>
+            <a:r>
+              <a:rPr lang="ru-RU" sz="1200" b="0" i="0" u="none" strike="noStrike" kern="1200" baseline="0" dirty="0" smtClean="0">
                 <a:solidFill>
                   <a:schemeClr val="tx1"/>
                 </a:solidFill>
@@ -10776,10 +10764,10 @@
                 <a:ea typeface="+mn-ea"/>
                 <a:cs typeface="+mn-cs"/>
               </a:rPr>
-              <a:t>O(</a:t>
-            </a:r>
-            <a:r>
-              <a:rPr lang="en-US" sz="1200" b="0" i="0" u="none" strike="noStrike" kern="1200" baseline="0" dirty="0" err="1" smtClean="0">
+              <a:t>находить в этом списке значение и умеет эффективно передвигаться на следующее по порядку или предыдущее значение за </a:t>
+            </a:r>
+            <a:r>
+              <a:rPr lang="en-US" sz="1200" b="0" i="0" u="none" strike="noStrike" kern="1200" baseline="0" dirty="0" smtClean="0">
                 <a:solidFill>
                   <a:schemeClr val="tx1"/>
                 </a:solidFill>
@@ -10788,55 +10776,7 @@
                 <a:ea typeface="+mn-ea"/>
                 <a:cs typeface="+mn-cs"/>
               </a:rPr>
-              <a:t>logN</a:t>
-            </a:r>
-            <a:r>
-              <a:rPr lang="en-US" sz="1200" b="0" i="0" u="none" strike="noStrike" kern="1200" baseline="0" dirty="0" smtClean="0">
-                <a:solidFill>
-                  <a:schemeClr val="tx1"/>
-                </a:solidFill>
-                <a:effectLst/>
-                <a:latin typeface="+mn-lt"/>
-                <a:ea typeface="+mn-ea"/>
-                <a:cs typeface="+mn-cs"/>
-              </a:rPr>
-              <a:t>) </a:t>
-            </a:r>
-            <a:r>
-              <a:rPr lang="ru-RU" sz="1200" b="0" i="0" u="none" strike="noStrike" kern="1200" baseline="0" dirty="0" smtClean="0">
-                <a:solidFill>
-                  <a:schemeClr val="tx1"/>
-                </a:solidFill>
-                <a:effectLst/>
-                <a:latin typeface="+mn-lt"/>
-                <a:ea typeface="+mn-ea"/>
-                <a:cs typeface="+mn-cs"/>
-              </a:rPr>
-              <a:t>находить в этом списке значение и умеет эффективно передвигаться на следующее по порядку или предыдущее значение за </a:t>
-            </a:r>
-            <a:r>
-              <a:rPr lang="en-US" sz="1200" b="0" i="0" u="none" strike="noStrike" kern="1200" baseline="0" dirty="0" smtClean="0">
-                <a:solidFill>
-                  <a:schemeClr val="tx1"/>
-                </a:solidFill>
-                <a:effectLst/>
-                <a:latin typeface="+mn-lt"/>
-                <a:ea typeface="+mn-ea"/>
-                <a:cs typeface="+mn-cs"/>
-              </a:rPr>
-              <a:t>O(1</a:t>
-            </a:r>
-            <a:r>
-              <a:rPr lang="en-US" sz="1200" b="0" i="0" u="none" strike="noStrike" kern="1200" baseline="0" dirty="0" smtClean="0">
-                <a:solidFill>
-                  <a:schemeClr val="tx1"/>
-                </a:solidFill>
-                <a:effectLst/>
-                <a:latin typeface="+mn-lt"/>
-                <a:ea typeface="+mn-ea"/>
-                <a:cs typeface="+mn-cs"/>
-              </a:rPr>
-              <a:t>)</a:t>
+              <a:t>O(1)</a:t>
             </a:r>
             <a:endParaRPr lang="ru-RU" sz="1200" b="0" i="0" u="none" strike="noStrike" kern="1200" dirty="0" smtClean="0">
               <a:solidFill>
@@ -11374,19 +11314,7 @@
                 <a:ea typeface="+mn-ea"/>
                 <a:cs typeface="+mn-cs"/>
               </a:rPr>
-              <a:t>, база данных может самостоятельно отдать вам только те первые N, которые не содержат в себе </a:t>
-            </a:r>
-            <a:r>
-              <a:rPr lang="ru-RU" sz="1200" b="0" i="0" u="none" strike="noStrike" kern="1200" dirty="0" smtClean="0">
-                <a:solidFill>
-                  <a:schemeClr val="tx1"/>
-                </a:solidFill>
-                <a:effectLst/>
-                <a:latin typeface="+mn-lt"/>
-                <a:ea typeface="+mn-ea"/>
-                <a:cs typeface="+mn-cs"/>
-              </a:rPr>
-              <a:t>картинку.</a:t>
+              <a:t>, база данных может самостоятельно отдать вам только те первые N, которые не содержат в себе картинку.</a:t>
             </a:r>
             <a:endParaRPr lang="ru-RU" b="0" dirty="0" smtClean="0">
               <a:effectLst/>
@@ -16211,15 +16139,7 @@
             </a:pPr>
             <a:r>
               <a:rPr lang="en-US" baseline="0" dirty="0" smtClean="0"/>
-              <a:t>https</a:t>
-            </a:r>
-            <a:r>
-              <a:rPr lang="en-US" baseline="0" dirty="0" smtClean="0"/>
-              <a:t>://</a:t>
-            </a:r>
-            <a:r>
-              <a:rPr lang="en-US" baseline="0" dirty="0" smtClean="0"/>
-              <a:t>github.com/kontur-courses/web-game/blob/solved/WebGame/Domain/MongoUserRepositoty.cs</a:t>
+              <a:t>https://github.com/kontur-courses/web-game/blob/solved/WebGame/Domain/MongoUserRepositoty.cs</a:t>
             </a:r>
             <a:endParaRPr lang="ru-RU" baseline="0" dirty="0" smtClean="0"/>
           </a:p>
@@ -16267,11 +16187,7 @@
             </a:r>
             <a:r>
               <a:rPr lang="ru-RU" baseline="0" dirty="0" smtClean="0"/>
-              <a:t>. </a:t>
-            </a:r>
-            <a:r>
-              <a:rPr lang="ru-RU" baseline="0" dirty="0" smtClean="0"/>
-              <a:t>Управляемость за счет разделения. Например, на </a:t>
+              <a:t>. Управляемость за счет разделения. Например, на </a:t>
             </a:r>
             <a:r>
               <a:rPr lang="en-US" baseline="0" dirty="0" smtClean="0"/>
@@ -21734,11 +21650,7 @@
             <a:pPr fontAlgn="base"/>
             <a:r>
               <a:rPr lang="ru-RU" dirty="0" smtClean="0"/>
-              <a:t>Нельзя </a:t>
-            </a:r>
-            <a:r>
-              <a:rPr lang="ru-RU" dirty="0" smtClean="0"/>
-              <a:t>прочитать/записать половину </a:t>
+              <a:t>Нельзя прочитать/записать половину </a:t>
             </a:r>
             <a:r>
               <a:rPr lang="ru-RU" dirty="0"/>
@@ -21858,11 +21770,7 @@
             </a:r>
             <a:r>
               <a:rPr lang="ru-RU" dirty="0" smtClean="0"/>
-              <a:t>теряться после успешного </a:t>
-            </a:r>
-            <a:r>
-              <a:rPr lang="ru-RU" dirty="0" smtClean="0"/>
-              <a:t>сохранения</a:t>
+              <a:t>теряться после успешного сохранения</a:t>
             </a:r>
             <a:endParaRPr lang="en-US" dirty="0" smtClean="0"/>
           </a:p>
@@ -22073,11 +21981,7 @@
             </a:r>
             <a:r>
               <a:rPr lang="ru-RU" dirty="0" smtClean="0"/>
-              <a:t>, т</a:t>
-            </a:r>
-            <a:r>
-              <a:rPr lang="ru-RU" dirty="0" smtClean="0"/>
-              <a:t>о после:</a:t>
+              <a:t>, то после:</a:t>
             </a:r>
             <a:br>
               <a:rPr lang="ru-RU" dirty="0" smtClean="0"/>
@@ -22967,11 +22871,7 @@
             <a:pPr fontAlgn="base"/>
             <a:r>
               <a:rPr lang="ru-RU" dirty="0" smtClean="0"/>
-              <a:t>Распределенная </a:t>
-            </a:r>
-            <a:r>
-              <a:rPr lang="ru-RU" dirty="0" smtClean="0"/>
-              <a:t>БД </a:t>
+              <a:t>Распределенная БД </a:t>
             </a:r>
             <a:r>
               <a:rPr lang="ru-RU" dirty="0"/>
@@ -23229,7 +23129,6 @@
               <a:rPr lang="ru-RU" dirty="0"/>
               <a:t>CAP-ТЕОРЕМА БРЮЕРА</a:t>
             </a:r>
-            <a:endParaRPr lang="ru-RU" dirty="0"/>
           </a:p>
         </p:txBody>
       </p:sp>
@@ -23370,15 +23269,7 @@
             </a:pPr>
             <a:r>
               <a:rPr lang="ru-RU" sz="2800" dirty="0" smtClean="0"/>
-              <a:t>Правильно называть – </a:t>
-            </a:r>
-            <a:r>
-              <a:rPr lang="ru-RU" sz="2800" dirty="0" smtClean="0"/>
-              <a:t>СУБД</a:t>
-            </a:r>
-            <a:r>
-              <a:rPr lang="ru-RU" sz="2800" dirty="0" smtClean="0"/>
-              <a:t/>
+              <a:t>Правильно называть – СУБД</a:t>
             </a:r>
             <a:br>
               <a:rPr lang="ru-RU" sz="2800" dirty="0" smtClean="0"/>
@@ -23418,19 +23309,7 @@
             </a:r>
             <a:r>
               <a:rPr lang="ru-RU" sz="2800" dirty="0" smtClean="0"/>
-              <a:t> </a:t>
-            </a:r>
-            <a:r>
-              <a:rPr lang="ru-RU" sz="2800" dirty="0" smtClean="0"/>
-              <a:t>это обычно </a:t>
-            </a:r>
-            <a:r>
-              <a:rPr lang="ru-RU" sz="2800" dirty="0" smtClean="0"/>
-              <a:t>сервис, доступный по </a:t>
-            </a:r>
-            <a:r>
-              <a:rPr lang="ru-RU" sz="2800" dirty="0" smtClean="0"/>
-              <a:t>сети</a:t>
+              <a:t> это обычно сервис, доступный по сети</a:t>
             </a:r>
           </a:p>
           <a:p>
@@ -24604,7 +24483,6 @@
               <a:rPr lang="ru-RU" dirty="0" smtClean="0"/>
               <a:t>согласованы</a:t>
             </a:r>
-            <a:endParaRPr lang="ru-RU" dirty="0" smtClean="0"/>
           </a:p>
           <a:p>
             <a:pPr marL="514350" indent="-514350" fontAlgn="base">
@@ -24641,11 +24519,7 @@
             </a:r>
             <a:r>
               <a:rPr lang="ru-RU" dirty="0" smtClean="0"/>
-              <a:t> за рамками этого </a:t>
-            </a:r>
-            <a:r>
-              <a:rPr lang="ru-RU" dirty="0" smtClean="0"/>
-              <a:t>блока</a:t>
+              <a:t> за рамками этого блока</a:t>
             </a:r>
             <a:endParaRPr lang="ru-RU" dirty="0"/>
           </a:p>
@@ -24764,7 +24638,6 @@
               <a:rPr lang="ru-RU" dirty="0" smtClean="0"/>
               <a:t>ней</a:t>
             </a:r>
-            <a:endParaRPr lang="ru-RU" dirty="0" smtClean="0"/>
           </a:p>
           <a:p>
             <a:pPr fontAlgn="base"/>
@@ -25066,15 +24939,7 @@
           <a:p>
             <a:r>
               <a:rPr lang="ru-RU" dirty="0" smtClean="0"/>
-              <a:t>О </a:t>
-            </a:r>
-            <a:r>
-              <a:rPr lang="ru-RU" dirty="0" smtClean="0"/>
-              <a:t>чем </a:t>
-            </a:r>
-            <a:r>
-              <a:rPr lang="ru-RU" dirty="0" smtClean="0"/>
-              <a:t>поговорим:</a:t>
+              <a:t>О чем поговорим:</a:t>
             </a:r>
           </a:p>
           <a:p>
@@ -25086,7 +24951,6 @@
               <a:rPr lang="ru-RU" dirty="0" smtClean="0"/>
               <a:t>Коллекции, поиск по индексам</a:t>
             </a:r>
-            <a:endParaRPr lang="ru-RU" dirty="0" smtClean="0"/>
           </a:p>
           <a:p>
             <a:pPr marL="457200" indent="-457200">
@@ -25095,11 +24959,7 @@
             </a:pPr>
             <a:r>
               <a:rPr lang="ru-RU" dirty="0" smtClean="0"/>
-              <a:t>Примеры </a:t>
-            </a:r>
-            <a:r>
-              <a:rPr lang="ru-RU" dirty="0" smtClean="0"/>
-              <a:t>на БД </a:t>
+              <a:t>Примеры на БД </a:t>
             </a:r>
             <a:r>
               <a:rPr lang="ru-RU" dirty="0"/>
@@ -25876,25 +25736,16 @@
           <a:p>
             <a:r>
               <a:rPr lang="ru-RU" dirty="0" smtClean="0"/>
-              <a:t>Найти пользователя с заданным </a:t>
-            </a:r>
+              <a:t>Найти пользователя с заданным логином</a:t>
+            </a:r>
+          </a:p>
+          <a:p>
+            <a:endParaRPr lang="ru-RU" dirty="0"/>
+          </a:p>
+          <a:p>
             <a:r>
               <a:rPr lang="ru-RU" dirty="0" smtClean="0"/>
-              <a:t>логином</a:t>
-            </a:r>
-            <a:endParaRPr lang="ru-RU" dirty="0" smtClean="0"/>
-          </a:p>
-          <a:p>
-            <a:endParaRPr lang="ru-RU" dirty="0"/>
-          </a:p>
-          <a:p>
-            <a:r>
-              <a:rPr lang="ru-RU" dirty="0" smtClean="0"/>
-              <a:t>А б</a:t>
-            </a:r>
-            <a:r>
-              <a:rPr lang="ru-RU" dirty="0" smtClean="0"/>
-              <a:t>ыстро</a:t>
+              <a:t>А быстро</a:t>
             </a:r>
             <a:r>
               <a:rPr lang="ru-RU" dirty="0"/>
@@ -26170,27 +26021,7 @@
             </a:r>
             <a:r>
               <a:rPr lang="ru-RU" dirty="0" smtClean="0"/>
-              <a:t>	смещение </a:t>
-            </a:r>
-            <a:r>
-              <a:rPr lang="ru-RU" dirty="0" smtClean="0"/>
-              <a:t>в файле </a:t>
-            </a:r>
-            <a:r>
-              <a:rPr lang="ru-RU" dirty="0" smtClean="0"/>
-              <a:t>данных, по </a:t>
-            </a:r>
-            <a:r>
-              <a:rPr lang="ru-RU" dirty="0" smtClean="0"/>
-              <a:t>которому </a:t>
-            </a:r>
-            <a:r>
-              <a:rPr lang="ru-RU" dirty="0" smtClean="0"/>
-              <a:t>		записан </a:t>
-            </a:r>
-            <a:r>
-              <a:rPr lang="ru-RU" dirty="0" smtClean="0"/>
-              <a:t>пользователь с таким </a:t>
+              <a:t>	смещение в файле данных, по которому 		записан пользователь с таким </a:t>
             </a:r>
             <a:r>
               <a:rPr lang="en-US" dirty="0" smtClean="0"/>
@@ -26718,13 +26549,8 @@
           <a:p>
             <a:r>
               <a:rPr lang="ru-RU" dirty="0" smtClean="0"/>
-              <a:t>Пользователь ввел логин и пароль, нужно его </a:t>
-            </a:r>
-            <a:r>
-              <a:rPr lang="ru-RU" dirty="0" smtClean="0"/>
-              <a:t>аутентифицировать</a:t>
-            </a:r>
-            <a:endParaRPr lang="ru-RU" dirty="0" smtClean="0"/>
+              <a:t>Пользователь ввел логин и пароль, нужно его аутентифицировать</a:t>
+            </a:r>
           </a:p>
           <a:p>
             <a:endParaRPr lang="ru-RU" dirty="0"/>
@@ -27542,11 +27368,7 @@
             </a:r>
             <a:r>
               <a:rPr lang="ru-RU" b="1" dirty="0" smtClean="0"/>
-              <a:t>Использование </a:t>
-            </a:r>
-            <a:r>
-              <a:rPr lang="ru-RU" b="1" dirty="0" smtClean="0"/>
-              <a:t>БД</a:t>
+              <a:t>Использование БД</a:t>
             </a:r>
             <a:r>
               <a:rPr lang="ru-RU" b="1" dirty="0"/>
@@ -27911,11 +27733,7 @@
           <a:p>
             <a:r>
               <a:rPr lang="en-US" dirty="0" smtClean="0"/>
-              <a:t>Ordered </a:t>
-            </a:r>
-            <a:r>
-              <a:rPr lang="en-US" dirty="0" smtClean="0"/>
-              <a:t>Index</a:t>
+              <a:t>Ordered Index</a:t>
             </a:r>
             <a:r>
               <a:rPr lang="en-US" dirty="0"/>
@@ -30448,15 +30266,7 @@
                   <a:schemeClr val="accent1"/>
                 </a:solidFill>
               </a:rPr>
-              <a:t> в </a:t>
-            </a:r>
-            <a:r>
-              <a:rPr lang="ru-RU" sz="2800" dirty="0" smtClean="0">
-                <a:solidFill>
-                  <a:schemeClr val="accent1"/>
-                </a:solidFill>
-              </a:rPr>
-              <a:t>результат: </a:t>
+              <a:t> в результат: </a:t>
             </a:r>
             <a:r>
               <a:rPr lang="en-US" sz="2800" dirty="0" smtClean="0"/>
@@ -30483,30 +30293,18 @@
             </a:br>
             <a:r>
               <a:rPr lang="en-US" sz="2800" dirty="0" smtClean="0"/>
-              <a:t>K </a:t>
-            </a:r>
-            <a:r>
-              <a:rPr lang="en-US" sz="2800" dirty="0" smtClean="0"/>
-              <a:t>–</a:t>
+              <a:t>K –</a:t>
             </a:r>
             <a:r>
               <a:rPr lang="ru-RU" sz="2800" dirty="0" smtClean="0"/>
-              <a:t> количество сообщений с </a:t>
-            </a:r>
-            <a:r>
-              <a:rPr lang="ru-RU" sz="2800" dirty="0" smtClean="0"/>
-              <a:t>картинками</a:t>
+              <a:t> количество сообщений с картинками</a:t>
             </a:r>
             <a:br>
               <a:rPr lang="ru-RU" sz="2800" dirty="0" smtClean="0"/>
             </a:br>
             <a:r>
               <a:rPr lang="ru-RU" sz="2800" dirty="0" smtClean="0"/>
-              <a:t>в </a:t>
-            </a:r>
-            <a:r>
-              <a:rPr lang="ru-RU" sz="2800" dirty="0" smtClean="0"/>
-              <a:t>первых </a:t>
+              <a:t>в первых </a:t>
             </a:r>
             <a:r>
               <a:rPr lang="en-US" sz="2800" dirty="0" smtClean="0"/>
@@ -30525,11 +30323,7 @@
             </a:br>
             <a:r>
               <a:rPr lang="ru-RU" sz="2800" dirty="0" smtClean="0"/>
-              <a:t>Если мы знаем, что К мало, то </a:t>
-            </a:r>
-            <a:r>
-              <a:rPr lang="ru-RU" sz="2800" dirty="0" smtClean="0"/>
-              <a:t>хорошо</a:t>
+              <a:t>Если мы знаем, что К мало, то хорошо</a:t>
             </a:r>
             <a:endParaRPr lang="ru-RU" sz="2800" dirty="0"/>
           </a:p>
@@ -31493,11 +31287,7 @@
             </a:pPr>
             <a:r>
               <a:rPr lang="ru-RU" dirty="0" smtClean="0"/>
-              <a:t>Максимально </a:t>
-            </a:r>
-            <a:r>
-              <a:rPr lang="ru-RU" dirty="0" smtClean="0"/>
-              <a:t>сильно сузить выборку </a:t>
+              <a:t>Максимально сильно сузить выборку </a:t>
             </a:r>
             <a:br>
               <a:rPr lang="ru-RU" dirty="0" smtClean="0"/>
@@ -31531,11 +31321,7 @@
             </a:r>
             <a:r>
               <a:rPr lang="ru-RU" dirty="0" smtClean="0"/>
-              <a:t>точечному, известному </a:t>
-            </a:r>
-            <a:r>
-              <a:rPr lang="ru-RU" dirty="0" smtClean="0"/>
-              <a:t>ключу</a:t>
+              <a:t>точечному, известному ключу</a:t>
             </a:r>
             <a:endParaRPr lang="ru-RU" dirty="0"/>
           </a:p>
@@ -31626,17 +31412,8 @@
             </a:pPr>
             <a:r>
               <a:rPr lang="ru-RU" dirty="0" smtClean="0"/>
-              <a:t>Заранее </a:t>
-            </a:r>
-            <a:r>
-              <a:rPr lang="ru-RU" dirty="0" smtClean="0"/>
-              <a:t>выяснить какие запросы БД должна уметь обрабатывать </a:t>
-            </a:r>
-            <a:r>
-              <a:rPr lang="ru-RU" dirty="0" smtClean="0"/>
-              <a:t>эффективно</a:t>
-            </a:r>
-            <a:endParaRPr lang="ru-RU" dirty="0" smtClean="0"/>
+              <a:t>Заранее выяснить какие запросы БД должна уметь обрабатывать эффективно</a:t>
+            </a:r>
           </a:p>
           <a:p>
             <a:pPr marL="514350" indent="-514350">
@@ -31645,13 +31422,8 @@
             </a:pPr>
             <a:r>
               <a:rPr lang="ru-RU" dirty="0" smtClean="0"/>
-              <a:t>Понять, какие будут </a:t>
-            </a:r>
-            <a:r>
-              <a:rPr lang="ru-RU" dirty="0" smtClean="0"/>
-              <a:t>коллекции</a:t>
-            </a:r>
-            <a:endParaRPr lang="ru-RU" dirty="0" smtClean="0"/>
+              <a:t>Понять, какие будут коллекции</a:t>
+            </a:r>
           </a:p>
           <a:p>
             <a:pPr marL="514350" indent="-514350">
@@ -31660,13 +31432,8 @@
             </a:pPr>
             <a:r>
               <a:rPr lang="ru-RU" dirty="0" smtClean="0"/>
-              <a:t>Спланировать, где нужны </a:t>
-            </a:r>
-            <a:r>
-              <a:rPr lang="ru-RU" dirty="0" smtClean="0"/>
-              <a:t>индексы</a:t>
-            </a:r>
-            <a:endParaRPr lang="ru-RU" dirty="0" smtClean="0"/>
+              <a:t>Спланировать, где нужны индексы</a:t>
+            </a:r>
           </a:p>
           <a:p>
             <a:pPr marL="514350" indent="-514350">
@@ -31685,7 +31452,6 @@
               <a:rPr lang="ru-RU" dirty="0" smtClean="0"/>
               <a:t>индексах</a:t>
             </a:r>
-            <a:endParaRPr lang="ru-RU" dirty="0" smtClean="0"/>
           </a:p>
           <a:p>
             <a:pPr marL="514350" indent="-514350">
@@ -34450,11 +34216,7 @@
           <a:p>
             <a:r>
               <a:rPr lang="ru-RU" dirty="0" smtClean="0"/>
-              <a:t>Можно попросить СУБД отдать не весь документ, а только отдельные его поля = </a:t>
-            </a:r>
-            <a:r>
-              <a:rPr lang="ru-RU" dirty="0" smtClean="0"/>
-              <a:t>проекцию</a:t>
+              <a:t>Можно попросить СУБД отдать не весь документ, а только отдельные его поля = проекцию</a:t>
             </a:r>
             <a:endParaRPr lang="en-US" dirty="0"/>
           </a:p>
@@ -35636,8 +35398,17 @@
           <a:p>
             <a:r>
               <a:rPr lang="ru-RU" dirty="0" smtClean="0"/>
-              <a:t>Один «родитель», много «детей</a:t>
-            </a:r>
+              <a:t>Один «родитель», много </a:t>
+            </a:r>
+            <a:r>
+              <a:rPr lang="ru-RU" smtClean="0"/>
+              <a:t>«</a:t>
+            </a:r>
+            <a:r>
+              <a:rPr lang="ru-RU"/>
+              <a:t>детей»</a:t>
+            </a:r>
+            <a:endParaRPr lang="ru-RU" dirty="0" smtClean="0"/>
           </a:p>
           <a:p>
             <a:pPr marL="457200" indent="-457200">
@@ -35646,11 +35417,7 @@
             </a:pPr>
             <a:r>
               <a:rPr lang="ru-RU" dirty="0" smtClean="0"/>
-              <a:t>Полностью</a:t>
-            </a:r>
-            <a:r>
-              <a:rPr lang="ru-RU" dirty="0" smtClean="0"/>
-              <a:t> в родителе</a:t>
+              <a:t>Полностью в родителе</a:t>
             </a:r>
             <a:r>
               <a:rPr lang="en-US" dirty="0" smtClean="0"/>
@@ -35661,11 +35428,7 @@
             </a:br>
             <a:r>
               <a:rPr lang="en-US" dirty="0" smtClean="0"/>
-              <a:t>	</a:t>
-            </a:r>
-            <a:r>
-              <a:rPr lang="en-US" dirty="0" smtClean="0"/>
-              <a:t>Guests</a:t>
+              <a:t>	Guests</a:t>
             </a:r>
             <a:r>
               <a:rPr lang="ru-RU" dirty="0" smtClean="0"/>
@@ -35891,7 +35654,6 @@
               <a:rPr lang="ru-RU" dirty="0" smtClean="0"/>
               <a:t>»</a:t>
             </a:r>
-            <a:endParaRPr lang="ru-RU" dirty="0" smtClean="0"/>
           </a:p>
         </p:txBody>
       </p:sp>

--- a/db.pptx
+++ b/db.pptx
@@ -50,10 +50,10 @@
     <p:sldId id="483" r:id="rId41"/>
     <p:sldId id="486" r:id="rId42"/>
     <p:sldId id="487" r:id="rId43"/>
-    <p:sldId id="438" r:id="rId44"/>
-    <p:sldId id="504" r:id="rId45"/>
-    <p:sldId id="439" r:id="rId46"/>
-    <p:sldId id="506" r:id="rId47"/>
+    <p:sldId id="504" r:id="rId44"/>
+    <p:sldId id="438" r:id="rId45"/>
+    <p:sldId id="506" r:id="rId46"/>
+    <p:sldId id="439" r:id="rId47"/>
     <p:sldId id="440" r:id="rId48"/>
     <p:sldId id="442" r:id="rId49"/>
     <p:sldId id="485" r:id="rId50"/>
@@ -246,10 +246,10 @@
             <p14:sldId id="483"/>
             <p14:sldId id="486"/>
             <p14:sldId id="487"/>
+            <p14:sldId id="504"/>
             <p14:sldId id="438"/>
-            <p14:sldId id="504"/>
+            <p14:sldId id="506"/>
             <p14:sldId id="439"/>
-            <p14:sldId id="506"/>
             <p14:sldId id="440"/>
             <p14:sldId id="442"/>
             <p14:sldId id="485"/>
@@ -2632,6 +2632,13 @@
         </dgm:presLayoutVars>
       </dgm:prSet>
       <dgm:spPr/>
+      <dgm:t>
+        <a:bodyPr/>
+        <a:lstStyle/>
+        <a:p>
+          <a:endParaRPr lang="ru-RU"/>
+        </a:p>
+      </dgm:t>
     </dgm:pt>
     <dgm:pt modelId="{CF6D50B3-578A-4EA0-A5A0-492FA729F6ED}" type="pres">
       <dgm:prSet presAssocID="{B75F6A3A-9A51-4DF3-8A57-9AEB0739425C}" presName="composite" presStyleCnt="0"/>
@@ -2644,6 +2651,13 @@
         </dgm:presLayoutVars>
       </dgm:prSet>
       <dgm:spPr/>
+      <dgm:t>
+        <a:bodyPr/>
+        <a:lstStyle/>
+        <a:p>
+          <a:endParaRPr lang="ru-RU"/>
+        </a:p>
+      </dgm:t>
     </dgm:pt>
     <dgm:pt modelId="{61EB78D8-69FF-471D-8FEB-71388C442F55}" type="pres">
       <dgm:prSet presAssocID="{B75F6A3A-9A51-4DF3-8A57-9AEB0739425C}" presName="rect1" presStyleLbl="alignImgPlace1" presStyleIdx="0" presStyleCnt="1" custScaleX="596594" custScaleY="114980" custLinFactX="-64576" custLinFactNeighborX="-100000" custLinFactNeighborY="-13065"/>
@@ -2665,9 +2679,9 @@
     </dgm:pt>
   </dgm:ptLst>
   <dgm:cxnLst>
+    <dgm:cxn modelId="{017518C9-1619-4B19-AA03-86BA999BA287}" srcId="{EAB81984-5B84-4970-8447-2B456B8C58DF}" destId="{B75F6A3A-9A51-4DF3-8A57-9AEB0739425C}" srcOrd="0" destOrd="0" parTransId="{203596AF-4F49-40BA-B1E1-11BDD34B512E}" sibTransId="{A056157B-3867-49A4-9195-F3A4F3FBBA8E}"/>
     <dgm:cxn modelId="{1CEAA455-5BF4-4666-95B8-390900AB8124}" type="presOf" srcId="{EAB81984-5B84-4970-8447-2B456B8C58DF}" destId="{3A252E36-3D7E-49E5-B812-EE4CACF0D5CF}" srcOrd="0" destOrd="0" presId="urn:microsoft.com/office/officeart/2008/layout/PictureGrid"/>
     <dgm:cxn modelId="{147A14B3-96E8-4139-969B-9DB1BCB4D95E}" type="presOf" srcId="{B75F6A3A-9A51-4DF3-8A57-9AEB0739425C}" destId="{B29ABF60-EC0F-45AD-A90E-9C76D15C2F14}" srcOrd="0" destOrd="0" presId="urn:microsoft.com/office/officeart/2008/layout/PictureGrid"/>
-    <dgm:cxn modelId="{017518C9-1619-4B19-AA03-86BA999BA287}" srcId="{EAB81984-5B84-4970-8447-2B456B8C58DF}" destId="{B75F6A3A-9A51-4DF3-8A57-9AEB0739425C}" srcOrd="0" destOrd="0" parTransId="{203596AF-4F49-40BA-B1E1-11BDD34B512E}" sibTransId="{A056157B-3867-49A4-9195-F3A4F3FBBA8E}"/>
     <dgm:cxn modelId="{D3458AFA-605E-43EE-8C8A-0E0C1E3CD931}" type="presParOf" srcId="{3A252E36-3D7E-49E5-B812-EE4CACF0D5CF}" destId="{CF6D50B3-578A-4EA0-A5A0-492FA729F6ED}" srcOrd="0" destOrd="0" presId="urn:microsoft.com/office/officeart/2008/layout/PictureGrid"/>
     <dgm:cxn modelId="{9835F3F3-3E30-4AC4-AD89-BC095FA9A878}" type="presParOf" srcId="{CF6D50B3-578A-4EA0-A5A0-492FA729F6ED}" destId="{B29ABF60-EC0F-45AD-A90E-9C76D15C2F14}" srcOrd="0" destOrd="0" presId="urn:microsoft.com/office/officeart/2008/layout/PictureGrid"/>
     <dgm:cxn modelId="{70FA379F-7827-49B9-806E-1FD72CAE8F89}" type="presParOf" srcId="{CF6D50B3-578A-4EA0-A5A0-492FA729F6ED}" destId="{61EB78D8-69FF-471D-8FEB-71388C442F55}" srcOrd="1" destOrd="0" presId="urn:microsoft.com/office/officeart/2008/layout/PictureGrid"/>
@@ -2739,6 +2753,13 @@
         </dgm:presLayoutVars>
       </dgm:prSet>
       <dgm:spPr/>
+      <dgm:t>
+        <a:bodyPr/>
+        <a:lstStyle/>
+        <a:p>
+          <a:endParaRPr lang="ru-RU"/>
+        </a:p>
+      </dgm:t>
     </dgm:pt>
     <dgm:pt modelId="{CF6D50B3-578A-4EA0-A5A0-492FA729F6ED}" type="pres">
       <dgm:prSet presAssocID="{B75F6A3A-9A51-4DF3-8A57-9AEB0739425C}" presName="composite" presStyleCnt="0"/>
@@ -2751,6 +2772,13 @@
         </dgm:presLayoutVars>
       </dgm:prSet>
       <dgm:spPr/>
+      <dgm:t>
+        <a:bodyPr/>
+        <a:lstStyle/>
+        <a:p>
+          <a:endParaRPr lang="ru-RU"/>
+        </a:p>
+      </dgm:t>
     </dgm:pt>
     <dgm:pt modelId="{61EB78D8-69FF-471D-8FEB-71388C442F55}" type="pres">
       <dgm:prSet presAssocID="{B75F6A3A-9A51-4DF3-8A57-9AEB0739425C}" presName="rect1" presStyleLbl="alignImgPlace1" presStyleIdx="0" presStyleCnt="1" custScaleX="596594" custScaleY="114980" custLinFactX="-64576" custLinFactNeighborX="-100000" custLinFactNeighborY="-13065"/>
@@ -2772,9 +2800,9 @@
     </dgm:pt>
   </dgm:ptLst>
   <dgm:cxnLst>
+    <dgm:cxn modelId="{017518C9-1619-4B19-AA03-86BA999BA287}" srcId="{EAB81984-5B84-4970-8447-2B456B8C58DF}" destId="{B75F6A3A-9A51-4DF3-8A57-9AEB0739425C}" srcOrd="0" destOrd="0" parTransId="{203596AF-4F49-40BA-B1E1-11BDD34B512E}" sibTransId="{A056157B-3867-49A4-9195-F3A4F3FBBA8E}"/>
     <dgm:cxn modelId="{1CEAA455-5BF4-4666-95B8-390900AB8124}" type="presOf" srcId="{EAB81984-5B84-4970-8447-2B456B8C58DF}" destId="{3A252E36-3D7E-49E5-B812-EE4CACF0D5CF}" srcOrd="0" destOrd="0" presId="urn:microsoft.com/office/officeart/2008/layout/PictureGrid"/>
     <dgm:cxn modelId="{147A14B3-96E8-4139-969B-9DB1BCB4D95E}" type="presOf" srcId="{B75F6A3A-9A51-4DF3-8A57-9AEB0739425C}" destId="{B29ABF60-EC0F-45AD-A90E-9C76D15C2F14}" srcOrd="0" destOrd="0" presId="urn:microsoft.com/office/officeart/2008/layout/PictureGrid"/>
-    <dgm:cxn modelId="{017518C9-1619-4B19-AA03-86BA999BA287}" srcId="{EAB81984-5B84-4970-8447-2B456B8C58DF}" destId="{B75F6A3A-9A51-4DF3-8A57-9AEB0739425C}" srcOrd="0" destOrd="0" parTransId="{203596AF-4F49-40BA-B1E1-11BDD34B512E}" sibTransId="{A056157B-3867-49A4-9195-F3A4F3FBBA8E}"/>
     <dgm:cxn modelId="{D3458AFA-605E-43EE-8C8A-0E0C1E3CD931}" type="presParOf" srcId="{3A252E36-3D7E-49E5-B812-EE4CACF0D5CF}" destId="{CF6D50B3-578A-4EA0-A5A0-492FA729F6ED}" srcOrd="0" destOrd="0" presId="urn:microsoft.com/office/officeart/2008/layout/PictureGrid"/>
     <dgm:cxn modelId="{9835F3F3-3E30-4AC4-AD89-BC095FA9A878}" type="presParOf" srcId="{CF6D50B3-578A-4EA0-A5A0-492FA729F6ED}" destId="{B29ABF60-EC0F-45AD-A90E-9C76D15C2F14}" srcOrd="0" destOrd="0" presId="urn:microsoft.com/office/officeart/2008/layout/PictureGrid"/>
     <dgm:cxn modelId="{70FA379F-7827-49B9-806E-1FD72CAE8F89}" type="presParOf" srcId="{CF6D50B3-578A-4EA0-A5A0-492FA729F6ED}" destId="{61EB78D8-69FF-471D-8FEB-71388C442F55}" srcOrd="1" destOrd="0" presId="urn:microsoft.com/office/officeart/2008/layout/PictureGrid"/>
@@ -2864,6 +2892,13 @@
         </dgm:presLayoutVars>
       </dgm:prSet>
       <dgm:spPr/>
+      <dgm:t>
+        <a:bodyPr/>
+        <a:lstStyle/>
+        <a:p>
+          <a:endParaRPr lang="ru-RU"/>
+        </a:p>
+      </dgm:t>
     </dgm:pt>
     <dgm:pt modelId="{65D73C51-61AB-436D-8191-975603FC9C68}" type="pres">
       <dgm:prSet presAssocID="{9C9C0585-42CE-4F34-A2BB-F1377DA03788}" presName="composite" presStyleCnt="0"/>
@@ -2876,6 +2911,13 @@
         </dgm:presLayoutVars>
       </dgm:prSet>
       <dgm:spPr/>
+      <dgm:t>
+        <a:bodyPr/>
+        <a:lstStyle/>
+        <a:p>
+          <a:endParaRPr lang="ru-RU"/>
+        </a:p>
+      </dgm:t>
     </dgm:pt>
     <dgm:pt modelId="{DFDA3CA3-5C68-4A2F-A4A8-285063A35D87}" type="pres">
       <dgm:prSet presAssocID="{9C9C0585-42CE-4F34-A2BB-F1377DA03788}" presName="rect1" presStyleLbl="alignImgPlace1" presStyleIdx="0" presStyleCnt="1" custScaleX="62421" custScaleY="62421" custLinFactNeighborX="1076" custLinFactNeighborY="-52209"/>
@@ -2900,8 +2942,8 @@
     </dgm:pt>
   </dgm:ptLst>
   <dgm:cxnLst>
+    <dgm:cxn modelId="{A177C822-7566-4410-A889-706A6CE15148}" srcId="{8F66C165-B39F-46D3-B19F-623799541DD3}" destId="{9C9C0585-42CE-4F34-A2BB-F1377DA03788}" srcOrd="0" destOrd="0" parTransId="{4E5DCF2B-AAE7-41E2-837F-518128C03597}" sibTransId="{56F70C7F-1925-4DBA-9BD6-AF5E91799A59}"/>
     <dgm:cxn modelId="{A9E27516-E8E4-42A7-A155-024D48E79559}" type="presOf" srcId="{8F66C165-B39F-46D3-B19F-623799541DD3}" destId="{B6F028CB-F170-4FEF-BC3A-25F0E90D434A}" srcOrd="0" destOrd="0" presId="urn:microsoft.com/office/officeart/2008/layout/PictureGrid"/>
-    <dgm:cxn modelId="{A177C822-7566-4410-A889-706A6CE15148}" srcId="{8F66C165-B39F-46D3-B19F-623799541DD3}" destId="{9C9C0585-42CE-4F34-A2BB-F1377DA03788}" srcOrd="0" destOrd="0" parTransId="{4E5DCF2B-AAE7-41E2-837F-518128C03597}" sibTransId="{56F70C7F-1925-4DBA-9BD6-AF5E91799A59}"/>
     <dgm:cxn modelId="{ACD53F50-5BA1-48C9-B5DF-09BF6DA4DE65}" type="presOf" srcId="{9C9C0585-42CE-4F34-A2BB-F1377DA03788}" destId="{A30F2283-C0A4-4A69-BCBE-833D967155A2}" srcOrd="0" destOrd="0" presId="urn:microsoft.com/office/officeart/2008/layout/PictureGrid"/>
     <dgm:cxn modelId="{CC189C1C-06A1-4F03-B886-67BF46A53703}" type="presParOf" srcId="{B6F028CB-F170-4FEF-BC3A-25F0E90D434A}" destId="{65D73C51-61AB-436D-8191-975603FC9C68}" srcOrd="0" destOrd="0" presId="urn:microsoft.com/office/officeart/2008/layout/PictureGrid"/>
     <dgm:cxn modelId="{CD7DB92E-B84F-43A0-AC2D-FBBFB40722EE}" type="presParOf" srcId="{65D73C51-61AB-436D-8191-975603FC9C68}" destId="{A30F2283-C0A4-4A69-BCBE-833D967155A2}" srcOrd="0" destOrd="0" presId="urn:microsoft.com/office/officeart/2008/layout/PictureGrid"/>
@@ -2962,7 +3004,7 @@
         </a:bodyPr>
         <a:lstStyle/>
         <a:p>
-          <a:pPr marL="0" lvl="0" indent="0" algn="l" defTabSz="222250">
+          <a:pPr lvl="0" algn="l" defTabSz="222250">
             <a:lnSpc>
               <a:spcPct val="90000"/>
             </a:lnSpc>
@@ -2972,7 +3014,6 @@
             <a:spcAft>
               <a:spcPct val="35000"/>
             </a:spcAft>
-            <a:buNone/>
           </a:pPr>
           <a:r>
             <a:rPr lang="ru-RU" sz="500" kern="1200" dirty="0"/>
@@ -3086,7 +3127,7 @@
         </a:bodyPr>
         <a:lstStyle/>
         <a:p>
-          <a:pPr marL="0" lvl="0" indent="0" algn="l" defTabSz="222250">
+          <a:pPr lvl="0" algn="l" defTabSz="222250">
             <a:lnSpc>
               <a:spcPct val="90000"/>
             </a:lnSpc>
@@ -3096,7 +3137,6 @@
             <a:spcAft>
               <a:spcPct val="35000"/>
             </a:spcAft>
-            <a:buNone/>
           </a:pPr>
           <a:r>
             <a:rPr lang="ru-RU" sz="500" kern="1200" dirty="0"/>
@@ -3210,7 +3250,7 @@
         </a:bodyPr>
         <a:lstStyle/>
         <a:p>
-          <a:pPr marL="0" lvl="0" indent="0" algn="ctr" defTabSz="1778000">
+          <a:pPr lvl="0" algn="ctr" defTabSz="1778000">
             <a:lnSpc>
               <a:spcPct val="90000"/>
             </a:lnSpc>
@@ -3220,7 +3260,6 @@
             <a:spcAft>
               <a:spcPct val="35000"/>
             </a:spcAft>
-            <a:buNone/>
           </a:pPr>
           <a:r>
             <a:rPr lang="ru-RU" sz="4000" kern="1200" dirty="0">
@@ -7281,7 +7320,7 @@
           <a:p>
             <a:fld id="{16E5F246-0B7D-44DF-8C1B-EDFCA5DA626A}" type="datetimeFigureOut">
               <a:rPr lang="ru-RU" smtClean="0"/>
-              <a:t>18.02.2020</a:t>
+              <a:t>09.04.2020</a:t>
             </a:fld>
             <a:endParaRPr lang="ru-RU"/>
           </a:p>
@@ -9454,6 +9493,10 @@
               <a:rPr lang="ru-RU" baseline="0" dirty="0"/>
               <a:t> в том числе. Поэтому некоторые документы имеют отличную от других структуру, имеют отдельные поля. Пользователь БД сам в праве решать какие поля будут в документах и как ему с ними жить.</a:t>
             </a:r>
+            <a:r>
+              <a:rPr lang="ru-RU" dirty="0"/>
+              <a:t/>
+            </a:r>
             <a:br>
               <a:rPr lang="ru-RU" dirty="0"/>
             </a:br>
@@ -10232,6 +10275,10 @@
           </a:p>
           <a:p>
             <a:pPr rtl="0"/>
+            <a:r>
+              <a:rPr lang="ru-RU" dirty="0"/>
+              <a:t/>
+            </a:r>
             <a:br>
               <a:rPr lang="ru-RU" dirty="0"/>
             </a:br>
@@ -10252,6 +10299,10 @@
             </a:endParaRPr>
           </a:p>
           <a:p>
+            <a:r>
+              <a:rPr lang="ru-RU" dirty="0"/>
+              <a:t/>
+            </a:r>
             <a:br>
               <a:rPr lang="ru-RU" dirty="0"/>
             </a:br>
@@ -10524,6 +10575,10 @@
             </a:endParaRPr>
           </a:p>
           <a:p>
+            <a:r>
+              <a:rPr lang="ru-RU" dirty="0"/>
+              <a:t/>
+            </a:r>
             <a:br>
               <a:rPr lang="ru-RU" dirty="0"/>
             </a:br>
@@ -10815,166 +10870,6 @@
           <a:bodyPr/>
           <a:lstStyle/>
           <a:p>
-            <a:pPr rtl="0"/>
-            <a:r>
-              <a:rPr lang="ru-RU" sz="1200" b="0" i="0" u="none" strike="noStrike" kern="1200" dirty="0">
-                <a:solidFill>
-                  <a:schemeClr val="tx1"/>
-                </a:solidFill>
-                <a:effectLst/>
-                <a:latin typeface="+mn-lt"/>
-                <a:ea typeface="+mn-ea"/>
-                <a:cs typeface="+mn-cs"/>
-              </a:rPr>
-              <a:t>Давайте</a:t>
-            </a:r>
-            <a:r>
-              <a:rPr lang="ru-RU" sz="1200" b="0" i="0" u="none" strike="noStrike" kern="1200" baseline="0" dirty="0">
-                <a:solidFill>
-                  <a:schemeClr val="tx1"/>
-                </a:solidFill>
-                <a:effectLst/>
-                <a:latin typeface="+mn-lt"/>
-                <a:ea typeface="+mn-ea"/>
-                <a:cs typeface="+mn-cs"/>
-              </a:rPr>
-              <a:t> рассмотрим на примере, как будет происходить поиск в </a:t>
-            </a:r>
-            <a:r>
-              <a:rPr lang="en-US" sz="1200" b="0" i="0" u="none" strike="noStrike" kern="1200" baseline="0" dirty="0">
-                <a:solidFill>
-                  <a:schemeClr val="tx1"/>
-                </a:solidFill>
-                <a:effectLst/>
-                <a:latin typeface="+mn-lt"/>
-                <a:ea typeface="+mn-ea"/>
-                <a:cs typeface="+mn-cs"/>
-              </a:rPr>
-              <a:t>ordered</a:t>
-            </a:r>
-            <a:r>
-              <a:rPr lang="ru-RU" sz="1200" b="0" i="0" u="none" strike="noStrike" kern="1200" baseline="0" dirty="0">
-                <a:solidFill>
-                  <a:schemeClr val="tx1"/>
-                </a:solidFill>
-                <a:effectLst/>
-                <a:latin typeface="+mn-lt"/>
-                <a:ea typeface="+mn-ea"/>
-                <a:cs typeface="+mn-cs"/>
-              </a:rPr>
-              <a:t> индексе. </a:t>
-            </a:r>
-            <a:r>
-              <a:rPr lang="ru-RU" sz="1200" b="0" i="0" u="none" strike="noStrike" kern="1200" dirty="0">
-                <a:solidFill>
-                  <a:schemeClr val="tx1"/>
-                </a:solidFill>
-                <a:effectLst/>
-                <a:latin typeface="+mn-lt"/>
-                <a:ea typeface="+mn-ea"/>
-                <a:cs typeface="+mn-cs"/>
-              </a:rPr>
-              <a:t>Поиск в нем медленнее, чем в </a:t>
-            </a:r>
-            <a:r>
-              <a:rPr lang="ru-RU" sz="1200" b="0" i="0" u="none" strike="noStrike" kern="1200" dirty="0" err="1">
-                <a:solidFill>
-                  <a:schemeClr val="tx1"/>
-                </a:solidFill>
-                <a:effectLst/>
-                <a:latin typeface="+mn-lt"/>
-                <a:ea typeface="+mn-ea"/>
-                <a:cs typeface="+mn-cs"/>
-              </a:rPr>
-              <a:t>unordered</a:t>
-            </a:r>
-            <a:r>
-              <a:rPr lang="ru-RU" sz="1200" b="0" i="0" u="none" strike="noStrike" kern="1200" dirty="0">
-                <a:solidFill>
-                  <a:schemeClr val="tx1"/>
-                </a:solidFill>
-                <a:effectLst/>
-                <a:latin typeface="+mn-lt"/>
-                <a:ea typeface="+mn-ea"/>
-                <a:cs typeface="+mn-cs"/>
-              </a:rPr>
-              <a:t> индексе, но позволит искать по условиям больше\меньше, или просто взять первые(последние) N элементов с помощью опций </a:t>
-            </a:r>
-            <a:r>
-              <a:rPr lang="ru-RU" sz="1200" b="1" i="0" u="none" strike="noStrike" kern="1200" dirty="0" err="1">
-                <a:solidFill>
-                  <a:schemeClr val="tx1"/>
-                </a:solidFill>
-                <a:effectLst/>
-                <a:latin typeface="+mn-lt"/>
-                <a:ea typeface="+mn-ea"/>
-                <a:cs typeface="+mn-cs"/>
-              </a:rPr>
-              <a:t>skip</a:t>
-            </a:r>
-            <a:r>
-              <a:rPr lang="ru-RU" sz="1200" b="1" i="0" u="none" strike="noStrike" kern="1200" dirty="0">
-                <a:solidFill>
-                  <a:schemeClr val="tx1"/>
-                </a:solidFill>
-                <a:effectLst/>
-                <a:latin typeface="+mn-lt"/>
-                <a:ea typeface="+mn-ea"/>
-                <a:cs typeface="+mn-cs"/>
-              </a:rPr>
-              <a:t>/</a:t>
-            </a:r>
-            <a:r>
-              <a:rPr lang="ru-RU" sz="1200" b="1" i="0" u="none" strike="noStrike" kern="1200" dirty="0" err="1">
-                <a:solidFill>
-                  <a:schemeClr val="tx1"/>
-                </a:solidFill>
-                <a:effectLst/>
-                <a:latin typeface="+mn-lt"/>
-                <a:ea typeface="+mn-ea"/>
-                <a:cs typeface="+mn-cs"/>
-              </a:rPr>
-              <a:t>take</a:t>
-            </a:r>
-            <a:r>
-              <a:rPr lang="ru-RU" sz="1200" b="0" i="0" u="none" strike="noStrike" kern="1200" dirty="0">
-                <a:solidFill>
-                  <a:schemeClr val="tx1"/>
-                </a:solidFill>
-                <a:effectLst/>
-                <a:latin typeface="+mn-lt"/>
-                <a:ea typeface="+mn-ea"/>
-                <a:cs typeface="+mn-cs"/>
-              </a:rPr>
-              <a:t>. Ведь если индекс упорядочен, то первые элементы в порядке обхода этого индекса и будут те самые сообщения с наибольшим числом </a:t>
-            </a:r>
-            <a:r>
-              <a:rPr lang="ru-RU" sz="1200" b="0" i="0" u="none" strike="noStrike" kern="1200" dirty="0" err="1">
-                <a:solidFill>
-                  <a:schemeClr val="tx1"/>
-                </a:solidFill>
-                <a:effectLst/>
-                <a:latin typeface="+mn-lt"/>
-                <a:ea typeface="+mn-ea"/>
-                <a:cs typeface="+mn-cs"/>
-              </a:rPr>
-              <a:t>лайков</a:t>
-            </a:r>
-            <a:r>
-              <a:rPr lang="ru-RU" sz="1200" b="0" i="0" u="none" strike="noStrike" kern="1200" dirty="0">
-                <a:solidFill>
-                  <a:schemeClr val="tx1"/>
-                </a:solidFill>
-                <a:effectLst/>
-                <a:latin typeface="+mn-lt"/>
-                <a:ea typeface="+mn-ea"/>
-                <a:cs typeface="+mn-cs"/>
-              </a:rPr>
-              <a:t>.</a:t>
-            </a:r>
-          </a:p>
-          <a:p>
-            <a:pPr rtl="0"/>
             <a:endParaRPr lang="ru-RU" sz="1200" b="0" i="0" u="none" strike="noStrike" kern="1200" dirty="0">
               <a:solidFill>
                 <a:schemeClr val="tx1"/>
@@ -10985,47 +10880,6 @@
               <a:cs typeface="+mn-cs"/>
             </a:endParaRPr>
           </a:p>
-          <a:p>
-            <a:pPr rtl="0"/>
-            <a:r>
-              <a:rPr lang="ru-RU" sz="1200" b="0" i="0" u="none" strike="noStrike" kern="1200" dirty="0">
-                <a:solidFill>
-                  <a:schemeClr val="tx1"/>
-                </a:solidFill>
-                <a:effectLst/>
-                <a:latin typeface="+mn-lt"/>
-                <a:ea typeface="+mn-ea"/>
-                <a:cs typeface="+mn-cs"/>
-              </a:rPr>
-              <a:t>Для</a:t>
-            </a:r>
-            <a:r>
-              <a:rPr lang="ru-RU" sz="1200" b="0" i="0" u="none" strike="noStrike" kern="1200" baseline="0" dirty="0">
-                <a:solidFill>
-                  <a:schemeClr val="tx1"/>
-                </a:solidFill>
-                <a:effectLst/>
-                <a:latin typeface="+mn-lt"/>
-                <a:ea typeface="+mn-ea"/>
-                <a:cs typeface="+mn-cs"/>
-              </a:rPr>
-              <a:t> простоты примера возьмем бинарное дерево поиска, потому что его легко нарисовать и все его знают. В реальности оно редко встречается в базах данных.</a:t>
-            </a:r>
-            <a:endParaRPr lang="ru-RU" b="0" dirty="0">
-              <a:effectLst/>
-            </a:endParaRPr>
-          </a:p>
-          <a:p>
-            <a:endParaRPr lang="ru-RU" sz="1200" b="0" i="0" u="none" strike="noStrike" kern="1200" dirty="0">
-              <a:solidFill>
-                <a:schemeClr val="tx1"/>
-              </a:solidFill>
-              <a:effectLst/>
-              <a:latin typeface="+mn-lt"/>
-              <a:ea typeface="+mn-ea"/>
-              <a:cs typeface="+mn-cs"/>
-            </a:endParaRPr>
-          </a:p>
         </p:txBody>
       </p:sp>
       <p:sp>
@@ -11054,7 +10908,7 @@
     </p:spTree>
     <p:extLst>
       <p:ext uri="{BB962C8B-B14F-4D97-AF65-F5344CB8AC3E}">
-        <p14:creationId xmlns:p14="http://schemas.microsoft.com/office/powerpoint/2010/main" val="2580667810"/>
+        <p14:creationId xmlns:p14="http://schemas.microsoft.com/office/powerpoint/2010/main" val="972693265"/>
       </p:ext>
     </p:extLst>
   </p:cSld>
@@ -11108,6 +10962,166 @@
           <a:bodyPr/>
           <a:lstStyle/>
           <a:p>
+            <a:pPr rtl="0"/>
+            <a:r>
+              <a:rPr lang="ru-RU" sz="1200" b="0" i="0" u="none" strike="noStrike" kern="1200" dirty="0">
+                <a:solidFill>
+                  <a:schemeClr val="tx1"/>
+                </a:solidFill>
+                <a:effectLst/>
+                <a:latin typeface="+mn-lt"/>
+                <a:ea typeface="+mn-ea"/>
+                <a:cs typeface="+mn-cs"/>
+              </a:rPr>
+              <a:t>Давайте</a:t>
+            </a:r>
+            <a:r>
+              <a:rPr lang="ru-RU" sz="1200" b="0" i="0" u="none" strike="noStrike" kern="1200" baseline="0" dirty="0">
+                <a:solidFill>
+                  <a:schemeClr val="tx1"/>
+                </a:solidFill>
+                <a:effectLst/>
+                <a:latin typeface="+mn-lt"/>
+                <a:ea typeface="+mn-ea"/>
+                <a:cs typeface="+mn-cs"/>
+              </a:rPr>
+              <a:t> рассмотрим на примере, как будет происходить поиск в </a:t>
+            </a:r>
+            <a:r>
+              <a:rPr lang="en-US" sz="1200" b="0" i="0" u="none" strike="noStrike" kern="1200" baseline="0" dirty="0">
+                <a:solidFill>
+                  <a:schemeClr val="tx1"/>
+                </a:solidFill>
+                <a:effectLst/>
+                <a:latin typeface="+mn-lt"/>
+                <a:ea typeface="+mn-ea"/>
+                <a:cs typeface="+mn-cs"/>
+              </a:rPr>
+              <a:t>ordered</a:t>
+            </a:r>
+            <a:r>
+              <a:rPr lang="ru-RU" sz="1200" b="0" i="0" u="none" strike="noStrike" kern="1200" baseline="0" dirty="0">
+                <a:solidFill>
+                  <a:schemeClr val="tx1"/>
+                </a:solidFill>
+                <a:effectLst/>
+                <a:latin typeface="+mn-lt"/>
+                <a:ea typeface="+mn-ea"/>
+                <a:cs typeface="+mn-cs"/>
+              </a:rPr>
+              <a:t> индексе. </a:t>
+            </a:r>
+            <a:r>
+              <a:rPr lang="ru-RU" sz="1200" b="0" i="0" u="none" strike="noStrike" kern="1200" dirty="0">
+                <a:solidFill>
+                  <a:schemeClr val="tx1"/>
+                </a:solidFill>
+                <a:effectLst/>
+                <a:latin typeface="+mn-lt"/>
+                <a:ea typeface="+mn-ea"/>
+                <a:cs typeface="+mn-cs"/>
+              </a:rPr>
+              <a:t>Поиск в нем медленнее, чем в </a:t>
+            </a:r>
+            <a:r>
+              <a:rPr lang="ru-RU" sz="1200" b="0" i="0" u="none" strike="noStrike" kern="1200" dirty="0" err="1">
+                <a:solidFill>
+                  <a:schemeClr val="tx1"/>
+                </a:solidFill>
+                <a:effectLst/>
+                <a:latin typeface="+mn-lt"/>
+                <a:ea typeface="+mn-ea"/>
+                <a:cs typeface="+mn-cs"/>
+              </a:rPr>
+              <a:t>unordered</a:t>
+            </a:r>
+            <a:r>
+              <a:rPr lang="ru-RU" sz="1200" b="0" i="0" u="none" strike="noStrike" kern="1200" dirty="0">
+                <a:solidFill>
+                  <a:schemeClr val="tx1"/>
+                </a:solidFill>
+                <a:effectLst/>
+                <a:latin typeface="+mn-lt"/>
+                <a:ea typeface="+mn-ea"/>
+                <a:cs typeface="+mn-cs"/>
+              </a:rPr>
+              <a:t> индексе, но позволит искать по условиям больше\меньше, или просто взять первые(последние) N элементов с помощью опций </a:t>
+            </a:r>
+            <a:r>
+              <a:rPr lang="ru-RU" sz="1200" b="1" i="0" u="none" strike="noStrike" kern="1200" dirty="0" err="1">
+                <a:solidFill>
+                  <a:schemeClr val="tx1"/>
+                </a:solidFill>
+                <a:effectLst/>
+                <a:latin typeface="+mn-lt"/>
+                <a:ea typeface="+mn-ea"/>
+                <a:cs typeface="+mn-cs"/>
+              </a:rPr>
+              <a:t>skip</a:t>
+            </a:r>
+            <a:r>
+              <a:rPr lang="ru-RU" sz="1200" b="1" i="0" u="none" strike="noStrike" kern="1200" dirty="0">
+                <a:solidFill>
+                  <a:schemeClr val="tx1"/>
+                </a:solidFill>
+                <a:effectLst/>
+                <a:latin typeface="+mn-lt"/>
+                <a:ea typeface="+mn-ea"/>
+                <a:cs typeface="+mn-cs"/>
+              </a:rPr>
+              <a:t>/</a:t>
+            </a:r>
+            <a:r>
+              <a:rPr lang="ru-RU" sz="1200" b="1" i="0" u="none" strike="noStrike" kern="1200" dirty="0" err="1">
+                <a:solidFill>
+                  <a:schemeClr val="tx1"/>
+                </a:solidFill>
+                <a:effectLst/>
+                <a:latin typeface="+mn-lt"/>
+                <a:ea typeface="+mn-ea"/>
+                <a:cs typeface="+mn-cs"/>
+              </a:rPr>
+              <a:t>take</a:t>
+            </a:r>
+            <a:r>
+              <a:rPr lang="ru-RU" sz="1200" b="0" i="0" u="none" strike="noStrike" kern="1200" dirty="0">
+                <a:solidFill>
+                  <a:schemeClr val="tx1"/>
+                </a:solidFill>
+                <a:effectLst/>
+                <a:latin typeface="+mn-lt"/>
+                <a:ea typeface="+mn-ea"/>
+                <a:cs typeface="+mn-cs"/>
+              </a:rPr>
+              <a:t>. Ведь если индекс упорядочен, то первые элементы в порядке обхода этого индекса и будут те самые сообщения с наибольшим числом </a:t>
+            </a:r>
+            <a:r>
+              <a:rPr lang="ru-RU" sz="1200" b="0" i="0" u="none" strike="noStrike" kern="1200" dirty="0" err="1">
+                <a:solidFill>
+                  <a:schemeClr val="tx1"/>
+                </a:solidFill>
+                <a:effectLst/>
+                <a:latin typeface="+mn-lt"/>
+                <a:ea typeface="+mn-ea"/>
+                <a:cs typeface="+mn-cs"/>
+              </a:rPr>
+              <a:t>лайков</a:t>
+            </a:r>
+            <a:r>
+              <a:rPr lang="ru-RU" sz="1200" b="0" i="0" u="none" strike="noStrike" kern="1200" dirty="0">
+                <a:solidFill>
+                  <a:schemeClr val="tx1"/>
+                </a:solidFill>
+                <a:effectLst/>
+                <a:latin typeface="+mn-lt"/>
+                <a:ea typeface="+mn-ea"/>
+                <a:cs typeface="+mn-cs"/>
+              </a:rPr>
+              <a:t>.</a:t>
+            </a:r>
+          </a:p>
+          <a:p>
+            <a:pPr rtl="0"/>
             <a:endParaRPr lang="ru-RU" sz="1200" b="0" i="0" u="none" strike="noStrike" kern="1200" dirty="0">
               <a:solidFill>
                 <a:schemeClr val="tx1"/>
@@ -11118,6 +11132,47 @@
               <a:cs typeface="+mn-cs"/>
             </a:endParaRPr>
           </a:p>
+          <a:p>
+            <a:pPr rtl="0"/>
+            <a:r>
+              <a:rPr lang="ru-RU" sz="1200" b="0" i="0" u="none" strike="noStrike" kern="1200" dirty="0">
+                <a:solidFill>
+                  <a:schemeClr val="tx1"/>
+                </a:solidFill>
+                <a:effectLst/>
+                <a:latin typeface="+mn-lt"/>
+                <a:ea typeface="+mn-ea"/>
+                <a:cs typeface="+mn-cs"/>
+              </a:rPr>
+              <a:t>Для</a:t>
+            </a:r>
+            <a:r>
+              <a:rPr lang="ru-RU" sz="1200" b="0" i="0" u="none" strike="noStrike" kern="1200" baseline="0" dirty="0">
+                <a:solidFill>
+                  <a:schemeClr val="tx1"/>
+                </a:solidFill>
+                <a:effectLst/>
+                <a:latin typeface="+mn-lt"/>
+                <a:ea typeface="+mn-ea"/>
+                <a:cs typeface="+mn-cs"/>
+              </a:rPr>
+              <a:t> простоты примера возьмем бинарное дерево поиска, потому что его легко нарисовать и все его знают. В реальности оно редко встречается в базах данных.</a:t>
+            </a:r>
+            <a:endParaRPr lang="ru-RU" b="0" dirty="0">
+              <a:effectLst/>
+            </a:endParaRPr>
+          </a:p>
+          <a:p>
+            <a:endParaRPr lang="ru-RU" sz="1200" b="0" i="0" u="none" strike="noStrike" kern="1200" dirty="0">
+              <a:solidFill>
+                <a:schemeClr val="tx1"/>
+              </a:solidFill>
+              <a:effectLst/>
+              <a:latin typeface="+mn-lt"/>
+              <a:ea typeface="+mn-ea"/>
+              <a:cs typeface="+mn-cs"/>
+            </a:endParaRPr>
+          </a:p>
         </p:txBody>
       </p:sp>
       <p:sp>
@@ -11146,7 +11201,7 @@
     </p:spTree>
     <p:extLst>
       <p:ext uri="{BB962C8B-B14F-4D97-AF65-F5344CB8AC3E}">
-        <p14:creationId xmlns:p14="http://schemas.microsoft.com/office/powerpoint/2010/main" val="972693265"/>
+        <p14:creationId xmlns:p14="http://schemas.microsoft.com/office/powerpoint/2010/main" val="2580667810"/>
       </p:ext>
     </p:extLst>
   </p:cSld>
@@ -11200,72 +11255,6 @@
           <a:bodyPr/>
           <a:lstStyle/>
           <a:p>
-            <a:pPr rtl="0"/>
-            <a:r>
-              <a:rPr lang="ru-RU" sz="1200" b="0" i="0" u="none" strike="noStrike" kern="1200" dirty="0">
-                <a:solidFill>
-                  <a:schemeClr val="tx1"/>
-                </a:solidFill>
-                <a:effectLst/>
-                <a:latin typeface="+mn-lt"/>
-                <a:ea typeface="+mn-ea"/>
-                <a:cs typeface="+mn-cs"/>
-              </a:rPr>
-              <a:t>Но что, если вам нужны топ N сообщений по количеству </a:t>
-            </a:r>
-            <a:r>
-              <a:rPr lang="ru-RU" sz="1200" b="0" i="0" u="none" strike="noStrike" kern="1200" dirty="0" err="1">
-                <a:solidFill>
-                  <a:schemeClr val="tx1"/>
-                </a:solidFill>
-                <a:effectLst/>
-                <a:latin typeface="+mn-lt"/>
-                <a:ea typeface="+mn-ea"/>
-                <a:cs typeface="+mn-cs"/>
-              </a:rPr>
-              <a:t>лайков</a:t>
-            </a:r>
-            <a:r>
-              <a:rPr lang="ru-RU" sz="1200" b="0" i="0" u="none" strike="noStrike" kern="1200" dirty="0">
-                <a:solidFill>
-                  <a:schemeClr val="tx1"/>
-                </a:solidFill>
-                <a:effectLst/>
-                <a:latin typeface="+mn-lt"/>
-                <a:ea typeface="+mn-ea"/>
-                <a:cs typeface="+mn-cs"/>
-              </a:rPr>
-              <a:t>, но только не содержащих в себе картинки? БД позволяют также производить фильтрацию элементов у себя на серверной стороне. Базе данных можно указать дополнительные условия, по которым она отфильтрует документы после сужения\упорядочивая  выборки по ключу. То есть из всех сообщений, упорядоченных по количеству </a:t>
-            </a:r>
-            <a:r>
-              <a:rPr lang="ru-RU" sz="1200" b="0" i="0" u="none" strike="noStrike" kern="1200" dirty="0" err="1">
-                <a:solidFill>
-                  <a:schemeClr val="tx1"/>
-                </a:solidFill>
-                <a:effectLst/>
-                <a:latin typeface="+mn-lt"/>
-                <a:ea typeface="+mn-ea"/>
-                <a:cs typeface="+mn-cs"/>
-              </a:rPr>
-              <a:t>лайков</a:t>
-            </a:r>
-            <a:r>
-              <a:rPr lang="ru-RU" sz="1200" b="0" i="0" u="none" strike="noStrike" kern="1200" dirty="0">
-                <a:solidFill>
-                  <a:schemeClr val="tx1"/>
-                </a:solidFill>
-                <a:effectLst/>
-                <a:latin typeface="+mn-lt"/>
-                <a:ea typeface="+mn-ea"/>
-                <a:cs typeface="+mn-cs"/>
-              </a:rPr>
-              <a:t>, база данных может самостоятельно отдать вам только те первые N, которые не содержат в себе картинку.</a:t>
-            </a:r>
-            <a:endParaRPr lang="ru-RU" b="0" dirty="0">
-              <a:effectLst/>
-            </a:endParaRPr>
-          </a:p>
-          <a:p>
             <a:endParaRPr lang="ru-RU" sz="1200" b="0" i="0" u="none" strike="noStrike" kern="1200" dirty="0">
               <a:solidFill>
                 <a:schemeClr val="tx1"/>
@@ -11304,7 +11293,7 @@
     </p:spTree>
     <p:extLst>
       <p:ext uri="{BB962C8B-B14F-4D97-AF65-F5344CB8AC3E}">
-        <p14:creationId xmlns:p14="http://schemas.microsoft.com/office/powerpoint/2010/main" val="3336738398"/>
+        <p14:creationId xmlns:p14="http://schemas.microsoft.com/office/powerpoint/2010/main" val="2907274257"/>
       </p:ext>
     </p:extLst>
   </p:cSld>
@@ -11560,6 +11549,72 @@
           <a:bodyPr/>
           <a:lstStyle/>
           <a:p>
+            <a:pPr rtl="0"/>
+            <a:r>
+              <a:rPr lang="ru-RU" sz="1200" b="0" i="0" u="none" strike="noStrike" kern="1200" dirty="0">
+                <a:solidFill>
+                  <a:schemeClr val="tx1"/>
+                </a:solidFill>
+                <a:effectLst/>
+                <a:latin typeface="+mn-lt"/>
+                <a:ea typeface="+mn-ea"/>
+                <a:cs typeface="+mn-cs"/>
+              </a:rPr>
+              <a:t>Но что, если вам нужны топ N сообщений по количеству </a:t>
+            </a:r>
+            <a:r>
+              <a:rPr lang="ru-RU" sz="1200" b="0" i="0" u="none" strike="noStrike" kern="1200" dirty="0" err="1">
+                <a:solidFill>
+                  <a:schemeClr val="tx1"/>
+                </a:solidFill>
+                <a:effectLst/>
+                <a:latin typeface="+mn-lt"/>
+                <a:ea typeface="+mn-ea"/>
+                <a:cs typeface="+mn-cs"/>
+              </a:rPr>
+              <a:t>лайков</a:t>
+            </a:r>
+            <a:r>
+              <a:rPr lang="ru-RU" sz="1200" b="0" i="0" u="none" strike="noStrike" kern="1200" dirty="0">
+                <a:solidFill>
+                  <a:schemeClr val="tx1"/>
+                </a:solidFill>
+                <a:effectLst/>
+                <a:latin typeface="+mn-lt"/>
+                <a:ea typeface="+mn-ea"/>
+                <a:cs typeface="+mn-cs"/>
+              </a:rPr>
+              <a:t>, но только не содержащих в себе картинки? БД позволяют также производить фильтрацию элементов у себя на серверной стороне. Базе данных можно указать дополнительные условия, по которым она отфильтрует документы после сужения\упорядочивая  выборки по ключу. То есть из всех сообщений, упорядоченных по количеству </a:t>
+            </a:r>
+            <a:r>
+              <a:rPr lang="ru-RU" sz="1200" b="0" i="0" u="none" strike="noStrike" kern="1200" dirty="0" err="1">
+                <a:solidFill>
+                  <a:schemeClr val="tx1"/>
+                </a:solidFill>
+                <a:effectLst/>
+                <a:latin typeface="+mn-lt"/>
+                <a:ea typeface="+mn-ea"/>
+                <a:cs typeface="+mn-cs"/>
+              </a:rPr>
+              <a:t>лайков</a:t>
+            </a:r>
+            <a:r>
+              <a:rPr lang="ru-RU" sz="1200" b="0" i="0" u="none" strike="noStrike" kern="1200" dirty="0">
+                <a:solidFill>
+                  <a:schemeClr val="tx1"/>
+                </a:solidFill>
+                <a:effectLst/>
+                <a:latin typeface="+mn-lt"/>
+                <a:ea typeface="+mn-ea"/>
+                <a:cs typeface="+mn-cs"/>
+              </a:rPr>
+              <a:t>, база данных может самостоятельно отдать вам только те первые N, которые не содержат в себе картинку.</a:t>
+            </a:r>
+            <a:endParaRPr lang="ru-RU" b="0" dirty="0">
+              <a:effectLst/>
+            </a:endParaRPr>
+          </a:p>
+          <a:p>
             <a:endParaRPr lang="ru-RU" sz="1200" b="0" i="0" u="none" strike="noStrike" kern="1200" dirty="0">
               <a:solidFill>
                 <a:schemeClr val="tx1"/>
@@ -11598,7 +11653,7 @@
     </p:spTree>
     <p:extLst>
       <p:ext uri="{BB962C8B-B14F-4D97-AF65-F5344CB8AC3E}">
-        <p14:creationId xmlns:p14="http://schemas.microsoft.com/office/powerpoint/2010/main" val="2907274257"/>
+        <p14:creationId xmlns:p14="http://schemas.microsoft.com/office/powerpoint/2010/main" val="3336738398"/>
       </p:ext>
     </p:extLst>
   </p:cSld>
@@ -11898,6 +11953,10 @@
             </a:endParaRPr>
           </a:p>
           <a:p>
+            <a:r>
+              <a:rPr lang="ru-RU" dirty="0"/>
+              <a:t/>
+            </a:r>
             <a:br>
               <a:rPr lang="ru-RU" dirty="0"/>
             </a:br>
@@ -12423,6 +12482,10 @@
             </a:endParaRPr>
           </a:p>
           <a:p>
+            <a:r>
+              <a:rPr lang="ru-RU" dirty="0"/>
+              <a:t/>
+            </a:r>
             <a:br>
               <a:rPr lang="ru-RU" dirty="0"/>
             </a:br>
@@ -12948,6 +13011,10 @@
             </a:endParaRPr>
           </a:p>
           <a:p>
+            <a:r>
+              <a:rPr lang="ru-RU" dirty="0"/>
+              <a:t/>
+            </a:r>
             <a:br>
               <a:rPr lang="ru-RU" dirty="0"/>
             </a:br>
@@ -13053,6 +13120,10 @@
             </a:endParaRPr>
           </a:p>
           <a:p>
+            <a:r>
+              <a:rPr lang="ru-RU" dirty="0"/>
+              <a:t/>
+            </a:r>
             <a:br>
               <a:rPr lang="ru-RU" dirty="0"/>
             </a:br>
@@ -13158,6 +13229,10 @@
             </a:endParaRPr>
           </a:p>
           <a:p>
+            <a:r>
+              <a:rPr lang="ru-RU" dirty="0"/>
+              <a:t/>
+            </a:r>
             <a:br>
               <a:rPr lang="ru-RU" dirty="0"/>
             </a:br>
@@ -13452,6 +13527,10 @@
             </a:endParaRPr>
           </a:p>
           <a:p>
+            <a:r>
+              <a:rPr lang="ru-RU" dirty="0"/>
+              <a:t/>
+            </a:r>
             <a:br>
               <a:rPr lang="ru-RU" dirty="0"/>
             </a:br>
@@ -15062,7 +15141,7 @@
           <a:bodyPr/>
           <a:lstStyle/>
           <a:p>
-            <a:endParaRPr lang="ru-RU" dirty="0"/>
+            <a:endParaRPr lang="en-US" baseline="0" dirty="0" smtClean="0"/>
           </a:p>
         </p:txBody>
       </p:sp>
@@ -15083,7 +15162,7 @@
           <a:p>
             <a:fld id="{3BAECB10-9972-4830-A584-02C41DAFD45B}" type="slidenum">
               <a:rPr lang="ru-RU" smtClean="0"/>
-              <a:t>67</a:t>
+              <a:t>65</a:t>
             </a:fld>
             <a:endParaRPr lang="ru-RU"/>
           </a:p>
@@ -15092,7 +15171,7 @@
     </p:spTree>
     <p:extLst>
       <p:ext uri="{BB962C8B-B14F-4D97-AF65-F5344CB8AC3E}">
-        <p14:creationId xmlns:p14="http://schemas.microsoft.com/office/powerpoint/2010/main" val="4084195656"/>
+        <p14:creationId xmlns:p14="http://schemas.microsoft.com/office/powerpoint/2010/main" val="723719146"/>
       </p:ext>
     </p:extLst>
   </p:cSld>
@@ -15167,7 +15246,7 @@
           <a:p>
             <a:fld id="{3BAECB10-9972-4830-A584-02C41DAFD45B}" type="slidenum">
               <a:rPr lang="ru-RU" smtClean="0"/>
-              <a:t>68</a:t>
+              <a:t>67</a:t>
             </a:fld>
             <a:endParaRPr lang="ru-RU"/>
           </a:p>
@@ -15176,7 +15255,7 @@
     </p:spTree>
     <p:extLst>
       <p:ext uri="{BB962C8B-B14F-4D97-AF65-F5344CB8AC3E}">
-        <p14:creationId xmlns:p14="http://schemas.microsoft.com/office/powerpoint/2010/main" val="772004538"/>
+        <p14:creationId xmlns:p14="http://schemas.microsoft.com/office/powerpoint/2010/main" val="4084195656"/>
       </p:ext>
     </p:extLst>
   </p:cSld>
@@ -15230,208 +15309,6 @@
           <a:bodyPr/>
           <a:lstStyle/>
           <a:p>
-            <a:pPr rtl="0"/>
-            <a:r>
-              <a:rPr lang="ru-RU" sz="1200" b="0" i="0" u="none" strike="noStrike" kern="1200" dirty="0">
-                <a:solidFill>
-                  <a:schemeClr val="tx1"/>
-                </a:solidFill>
-                <a:effectLst/>
-                <a:latin typeface="+mn-lt"/>
-                <a:ea typeface="+mn-ea"/>
-                <a:cs typeface="+mn-cs"/>
-              </a:rPr>
-              <a:t>Помимо связи полей одной таблицы с ключами другой таблицы существуют и различные другие интересные возможности. Например, какое-то поле можно пометить как </a:t>
-            </a:r>
-            <a:r>
-              <a:rPr lang="ru-RU" sz="1200" b="0" i="0" u="none" strike="noStrike" kern="1200" dirty="0" err="1">
-                <a:solidFill>
-                  <a:schemeClr val="tx1"/>
-                </a:solidFill>
-                <a:effectLst/>
-                <a:latin typeface="+mn-lt"/>
-                <a:ea typeface="+mn-ea"/>
-                <a:cs typeface="+mn-cs"/>
-              </a:rPr>
-              <a:t>uniq</a:t>
-            </a:r>
-            <a:r>
-              <a:rPr lang="ru-RU" sz="1200" b="0" i="0" u="none" strike="noStrike" kern="1200" dirty="0">
-                <a:solidFill>
-                  <a:schemeClr val="tx1"/>
-                </a:solidFill>
-                <a:effectLst/>
-                <a:latin typeface="+mn-lt"/>
-                <a:ea typeface="+mn-ea"/>
-                <a:cs typeface="+mn-cs"/>
-              </a:rPr>
-              <a:t> и оно будет выступать в роли еще одного уникального ключа. </a:t>
-            </a:r>
-            <a:r>
-              <a:rPr lang="ru-RU" sz="1200" b="0" i="0" u="none" strike="noStrike" kern="1200" dirty="0" err="1">
-                <a:solidFill>
-                  <a:schemeClr val="tx1"/>
-                </a:solidFill>
-                <a:effectLst/>
-                <a:latin typeface="+mn-lt"/>
-                <a:ea typeface="+mn-ea"/>
-                <a:cs typeface="+mn-cs"/>
-              </a:rPr>
-              <a:t>Монго</a:t>
-            </a:r>
-            <a:r>
-              <a:rPr lang="ru-RU" sz="1200" b="0" i="0" u="none" strike="noStrike" kern="1200" dirty="0">
-                <a:solidFill>
-                  <a:schemeClr val="tx1"/>
-                </a:solidFill>
-                <a:effectLst/>
-                <a:latin typeface="+mn-lt"/>
-                <a:ea typeface="+mn-ea"/>
-                <a:cs typeface="+mn-cs"/>
-              </a:rPr>
-              <a:t> тоже может делать уникальные индекса (но только в рамках одного </a:t>
-            </a:r>
-            <a:r>
-              <a:rPr lang="ru-RU" sz="1200" b="0" i="0" u="none" strike="noStrike" kern="1200" dirty="0" err="1">
-                <a:solidFill>
-                  <a:schemeClr val="tx1"/>
-                </a:solidFill>
-                <a:effectLst/>
-                <a:latin typeface="+mn-lt"/>
-                <a:ea typeface="+mn-ea"/>
-                <a:cs typeface="+mn-cs"/>
-              </a:rPr>
-              <a:t>шарда</a:t>
-            </a:r>
-            <a:r>
-              <a:rPr lang="ru-RU" sz="1200" b="0" i="0" u="none" strike="noStrike" kern="1200" dirty="0">
-                <a:solidFill>
-                  <a:schemeClr val="tx1"/>
-                </a:solidFill>
-                <a:effectLst/>
-                <a:latin typeface="+mn-lt"/>
-                <a:ea typeface="+mn-ea"/>
-                <a:cs typeface="+mn-cs"/>
-              </a:rPr>
-              <a:t>), но на самом деле далеко не все </a:t>
-            </a:r>
-            <a:r>
-              <a:rPr lang="ru-RU" sz="1200" b="0" i="0" u="none" strike="noStrike" kern="1200" dirty="0" err="1">
-                <a:solidFill>
-                  <a:schemeClr val="tx1"/>
-                </a:solidFill>
-                <a:effectLst/>
-                <a:latin typeface="+mn-lt"/>
-                <a:ea typeface="+mn-ea"/>
-                <a:cs typeface="+mn-cs"/>
-              </a:rPr>
-              <a:t>NoSQL</a:t>
-            </a:r>
-            <a:r>
-              <a:rPr lang="ru-RU" sz="1200" b="0" i="0" u="none" strike="noStrike" kern="1200" dirty="0">
-                <a:solidFill>
-                  <a:schemeClr val="tx1"/>
-                </a:solidFill>
-                <a:effectLst/>
-                <a:latin typeface="+mn-lt"/>
-                <a:ea typeface="+mn-ea"/>
-                <a:cs typeface="+mn-cs"/>
-              </a:rPr>
-              <a:t> </a:t>
-            </a:r>
-            <a:r>
-              <a:rPr lang="ru-RU" sz="1200" b="0" i="0" u="none" strike="noStrike" kern="1200" dirty="0" err="1">
-                <a:solidFill>
-                  <a:schemeClr val="tx1"/>
-                </a:solidFill>
-                <a:effectLst/>
-                <a:latin typeface="+mn-lt"/>
-                <a:ea typeface="+mn-ea"/>
-                <a:cs typeface="+mn-cs"/>
-              </a:rPr>
-              <a:t>хранилки</a:t>
-            </a:r>
-            <a:r>
-              <a:rPr lang="ru-RU" sz="1200" b="0" i="0" u="none" strike="noStrike" kern="1200" dirty="0">
-                <a:solidFill>
-                  <a:schemeClr val="tx1"/>
-                </a:solidFill>
-                <a:effectLst/>
-                <a:latin typeface="+mn-lt"/>
-                <a:ea typeface="+mn-ea"/>
-                <a:cs typeface="+mn-cs"/>
-              </a:rPr>
-              <a:t> так умеют.</a:t>
-            </a:r>
-            <a:endParaRPr lang="ru-RU" b="0" dirty="0">
-              <a:effectLst/>
-            </a:endParaRPr>
-          </a:p>
-          <a:p>
-            <a:pPr rtl="0"/>
-            <a:br>
-              <a:rPr lang="ru-RU" dirty="0"/>
-            </a:br>
-            <a:r>
-              <a:rPr lang="ru-RU" sz="1200" b="0" i="0" u="none" strike="noStrike" kern="1200" dirty="0">
-                <a:solidFill>
-                  <a:schemeClr val="tx1"/>
-                </a:solidFill>
-                <a:effectLst/>
-                <a:latin typeface="+mn-lt"/>
-                <a:ea typeface="+mn-ea"/>
-                <a:cs typeface="+mn-cs"/>
-              </a:rPr>
-              <a:t>Все это является как плюсом, так и минусом. Например, у SQL-</a:t>
-            </a:r>
-            <a:r>
-              <a:rPr lang="ru-RU" sz="1200" b="0" i="0" u="none" strike="noStrike" kern="1200" dirty="0" err="1">
-                <a:solidFill>
-                  <a:schemeClr val="tx1"/>
-                </a:solidFill>
-                <a:effectLst/>
-                <a:latin typeface="+mn-lt"/>
-                <a:ea typeface="+mn-ea"/>
-                <a:cs typeface="+mn-cs"/>
-              </a:rPr>
-              <a:t>like</a:t>
-            </a:r>
-            <a:r>
-              <a:rPr lang="ru-RU" sz="1200" b="0" i="0" u="none" strike="noStrike" kern="1200" dirty="0">
-                <a:solidFill>
-                  <a:schemeClr val="tx1"/>
-                </a:solidFill>
-                <a:effectLst/>
-                <a:latin typeface="+mn-lt"/>
-                <a:ea typeface="+mn-ea"/>
-                <a:cs typeface="+mn-cs"/>
-              </a:rPr>
-              <a:t> баз данных есть очень умные ORM. Они сами производят вложенные запросы, сами </a:t>
-            </a:r>
-            <a:r>
-              <a:rPr lang="ru-RU" sz="1200" b="0" i="0" u="none" strike="noStrike" kern="1200" dirty="0" err="1">
-                <a:solidFill>
-                  <a:schemeClr val="tx1"/>
-                </a:solidFill>
-                <a:effectLst/>
-                <a:latin typeface="+mn-lt"/>
-                <a:ea typeface="+mn-ea"/>
-                <a:cs typeface="+mn-cs"/>
-              </a:rPr>
-              <a:t>JOIN’ят</a:t>
-            </a:r>
-            <a:r>
-              <a:rPr lang="ru-RU" sz="1200" b="0" i="0" u="none" strike="noStrike" kern="1200" dirty="0">
-                <a:solidFill>
-                  <a:schemeClr val="tx1"/>
-                </a:solidFill>
-                <a:effectLst/>
-                <a:latin typeface="+mn-lt"/>
-                <a:ea typeface="+mn-ea"/>
-                <a:cs typeface="+mn-cs"/>
-              </a:rPr>
-              <a:t> данные из разных таблиц. На клиенте не нужно делать несколько запросов и руками их объединять\пересекать. Не нужно явно выбирать искать по индексу или нет. Иногда даже не нужно их явно строить, SQL может обучиться по статистике запросов и сам понять где нужны индексы.</a:t>
-            </a:r>
             <a:endParaRPr lang="ru-RU" dirty="0"/>
           </a:p>
         </p:txBody>
@@ -15453,7 +15330,7 @@
           <a:p>
             <a:fld id="{3BAECB10-9972-4830-A584-02C41DAFD45B}" type="slidenum">
               <a:rPr lang="ru-RU" smtClean="0"/>
-              <a:t>71</a:t>
+              <a:t>68</a:t>
             </a:fld>
             <a:endParaRPr lang="ru-RU"/>
           </a:p>
@@ -15462,7 +15339,7 @@
     </p:spTree>
     <p:extLst>
       <p:ext uri="{BB962C8B-B14F-4D97-AF65-F5344CB8AC3E}">
-        <p14:creationId xmlns:p14="http://schemas.microsoft.com/office/powerpoint/2010/main" val="2230121963"/>
+        <p14:creationId xmlns:p14="http://schemas.microsoft.com/office/powerpoint/2010/main" val="772004538"/>
       </p:ext>
     </p:extLst>
   </p:cSld>
@@ -15516,23 +15393,7 @@
           <a:bodyPr/>
           <a:lstStyle/>
           <a:p>
-            <a:pPr marL="0" marR="0" lvl="0" indent="0" algn="l" defTabSz="914400" rtl="0" eaLnBrk="1" fontAlgn="auto" latinLnBrk="0" hangingPunct="1">
-              <a:lnSpc>
-                <a:spcPct val="100000"/>
-              </a:lnSpc>
-              <a:spcBef>
-                <a:spcPts val="0"/>
-              </a:spcBef>
-              <a:spcAft>
-                <a:spcPts val="0"/>
-              </a:spcAft>
-              <a:buClrTx/>
-              <a:buSzTx/>
-              <a:buFontTx/>
-              <a:buNone/>
-              <a:tabLst/>
-              <a:defRPr/>
-            </a:pPr>
+            <a:pPr rtl="0"/>
             <a:r>
               <a:rPr lang="ru-RU" sz="1200" b="0" i="0" u="none" strike="noStrike" kern="1200" dirty="0">
                 <a:solidFill>
@@ -15543,10 +15404,10 @@
                 <a:ea typeface="+mn-ea"/>
                 <a:cs typeface="+mn-cs"/>
               </a:rPr>
-              <a:t>Отлично работают транзакции. (Распределенные транзакции</a:t>
-            </a:r>
-            <a:r>
-              <a:rPr lang="ru-RU" sz="1200" b="0" i="0" u="none" strike="noStrike" kern="1200" baseline="0" dirty="0">
+              <a:t>Помимо связи полей одной таблицы с ключами другой таблицы существуют и различные другие интересные возможности. Например, какое-то поле можно пометить как </a:t>
+            </a:r>
+            <a:r>
+              <a:rPr lang="ru-RU" sz="1200" b="0" i="0" u="none" strike="noStrike" kern="1200" dirty="0" err="1">
                 <a:solidFill>
                   <a:schemeClr val="tx1"/>
                 </a:solidFill>
@@ -15555,30 +15416,8 @@
                 <a:ea typeface="+mn-ea"/>
                 <a:cs typeface="+mn-cs"/>
               </a:rPr>
-              <a:t> крайне сложны и не встречаются в качественных и эффективных реализациях)</a:t>
-            </a:r>
-            <a:endParaRPr lang="ru-RU" sz="1200" b="0" i="0" u="none" strike="noStrike" kern="1200" dirty="0">
-              <a:solidFill>
-                <a:schemeClr val="tx1"/>
-              </a:solidFill>
-              <a:effectLst/>
-              <a:latin typeface="+mn-lt"/>
-              <a:ea typeface="+mn-ea"/>
-              <a:cs typeface="+mn-cs"/>
-            </a:endParaRPr>
-          </a:p>
-          <a:p>
-            <a:endParaRPr lang="ru-RU" sz="1200" b="0" i="0" u="none" strike="noStrike" kern="1200" dirty="0">
-              <a:solidFill>
-                <a:schemeClr val="tx1"/>
-              </a:solidFill>
-              <a:effectLst/>
-              <a:latin typeface="+mn-lt"/>
-              <a:ea typeface="+mn-ea"/>
-              <a:cs typeface="+mn-cs"/>
-            </a:endParaRPr>
-          </a:p>
-          <a:p>
+              <a:t>uniq</a:t>
+            </a:r>
             <a:r>
               <a:rPr lang="ru-RU" sz="1200" b="0" i="0" u="none" strike="noStrike" kern="1200" dirty="0">
                 <a:solidFill>
@@ -15589,7 +15428,7 @@
                 <a:ea typeface="+mn-ea"/>
                 <a:cs typeface="+mn-cs"/>
               </a:rPr>
-              <a:t>Но все это отлично работает только когда система не распределена. Поэтому SQL не масштабируемая </a:t>
+              <a:t> и оно будет выступать в роли еще одного уникального ключа. </a:t>
             </a:r>
             <a:r>
               <a:rPr lang="ru-RU" sz="1200" b="0" i="0" u="none" strike="noStrike" kern="1200" dirty="0" err="1">
@@ -15601,7 +15440,7 @@
                 <a:ea typeface="+mn-ea"/>
                 <a:cs typeface="+mn-cs"/>
               </a:rPr>
-              <a:t>хранилка</a:t>
+              <a:t>Монго</a:t>
             </a:r>
             <a:r>
               <a:rPr lang="ru-RU" sz="1200" b="0" i="0" u="none" strike="noStrike" kern="1200" dirty="0">
@@ -15613,7 +15452,7 @@
                 <a:ea typeface="+mn-ea"/>
                 <a:cs typeface="+mn-cs"/>
               </a:rPr>
-              <a:t>. Она может хорошо функционировать только в одном экземпляре. Поэтому, если вы хотите написать </a:t>
+              <a:t> тоже может делать уникальные индекса (но только в рамках одного </a:t>
             </a:r>
             <a:r>
               <a:rPr lang="ru-RU" sz="1200" b="0" i="0" u="none" strike="noStrike" kern="1200" dirty="0" err="1">
@@ -15625,7 +15464,7 @@
                 <a:ea typeface="+mn-ea"/>
                 <a:cs typeface="+mn-cs"/>
               </a:rPr>
-              <a:t>google</a:t>
+              <a:t>шарда</a:t>
             </a:r>
             <a:r>
               <a:rPr lang="ru-RU" sz="1200" b="0" i="0" u="none" strike="noStrike" kern="1200" dirty="0">
@@ -15637,10 +15476,10 @@
                 <a:ea typeface="+mn-ea"/>
                 <a:cs typeface="+mn-cs"/>
               </a:rPr>
-              <a:t>, SQL вам явно не подойдет. Реляционная алгебра</a:t>
-            </a:r>
-            <a:r>
-              <a:rPr lang="ru-RU" sz="1200" b="0" i="0" u="none" strike="noStrike" kern="1200" baseline="0" dirty="0">
+              <a:t>), но на самом деле далеко не все </a:t>
+            </a:r>
+            <a:r>
+              <a:rPr lang="ru-RU" sz="1200" b="0" i="0" u="none" strike="noStrike" kern="1200" dirty="0" err="1">
                 <a:solidFill>
                   <a:schemeClr val="tx1"/>
                 </a:solidFill>
@@ -15649,10 +15488,10 @@
                 <a:ea typeface="+mn-ea"/>
                 <a:cs typeface="+mn-cs"/>
               </a:rPr>
-              <a:t> не применима так просто к распределенным системам. </a:t>
-            </a:r>
-            <a:r>
-              <a:rPr lang="ru-RU" sz="1200" b="0" i="0" kern="1200" dirty="0">
+              <a:t>NoSQL</a:t>
+            </a:r>
+            <a:r>
+              <a:rPr lang="ru-RU" sz="1200" b="0" i="0" u="none" strike="noStrike" kern="1200" dirty="0">
                 <a:solidFill>
                   <a:schemeClr val="tx1"/>
                 </a:solidFill>
@@ -15661,10 +15500,10 @@
                 <a:ea typeface="+mn-ea"/>
                 <a:cs typeface="+mn-cs"/>
               </a:rPr>
-              <a:t>По слухам, </a:t>
-            </a:r>
-            <a:r>
-              <a:rPr lang="ru-RU" sz="1200" b="0" i="0" kern="1200" dirty="0" err="1">
+              <a:t> </a:t>
+            </a:r>
+            <a:r>
+              <a:rPr lang="ru-RU" sz="1200" b="0" i="0" u="none" strike="noStrike" kern="1200" dirty="0" err="1">
                 <a:solidFill>
                   <a:schemeClr val="tx1"/>
                 </a:solidFill>
@@ -15673,10 +15512,10 @@
                 <a:ea typeface="+mn-ea"/>
                 <a:cs typeface="+mn-cs"/>
               </a:rPr>
-              <a:t>CockroachDB</a:t>
-            </a:r>
-            <a:r>
-              <a:rPr lang="ru-RU" sz="1200" b="0" i="0" kern="1200" dirty="0">
+              <a:t>хранилки</a:t>
+            </a:r>
+            <a:r>
+              <a:rPr lang="ru-RU" sz="1200" b="0" i="0" u="none" strike="noStrike" kern="1200" dirty="0">
                 <a:solidFill>
                   <a:schemeClr val="tx1"/>
                 </a:solidFill>
@@ -15685,11 +15524,81 @@
                 <a:ea typeface="+mn-ea"/>
                 <a:cs typeface="+mn-cs"/>
               </a:rPr>
-              <a:t> как раз опровергает (пытается опровергнуть) это утверждение.</a:t>
-            </a:r>
-            <a:endParaRPr lang="ru-RU" dirty="0"/>
-          </a:p>
-          <a:p>
+              <a:t> так умеют.</a:t>
+            </a:r>
+            <a:endParaRPr lang="ru-RU" b="0" dirty="0">
+              <a:effectLst/>
+            </a:endParaRPr>
+          </a:p>
+          <a:p>
+            <a:pPr rtl="0"/>
+            <a:r>
+              <a:rPr lang="ru-RU" dirty="0"/>
+              <a:t/>
+            </a:r>
+            <a:br>
+              <a:rPr lang="ru-RU" dirty="0"/>
+            </a:br>
+            <a:r>
+              <a:rPr lang="ru-RU" sz="1200" b="0" i="0" u="none" strike="noStrike" kern="1200" dirty="0">
+                <a:solidFill>
+                  <a:schemeClr val="tx1"/>
+                </a:solidFill>
+                <a:effectLst/>
+                <a:latin typeface="+mn-lt"/>
+                <a:ea typeface="+mn-ea"/>
+                <a:cs typeface="+mn-cs"/>
+              </a:rPr>
+              <a:t>Все это является как плюсом, так и минусом. Например, у SQL-</a:t>
+            </a:r>
+            <a:r>
+              <a:rPr lang="ru-RU" sz="1200" b="0" i="0" u="none" strike="noStrike" kern="1200" dirty="0" err="1">
+                <a:solidFill>
+                  <a:schemeClr val="tx1"/>
+                </a:solidFill>
+                <a:effectLst/>
+                <a:latin typeface="+mn-lt"/>
+                <a:ea typeface="+mn-ea"/>
+                <a:cs typeface="+mn-cs"/>
+              </a:rPr>
+              <a:t>like</a:t>
+            </a:r>
+            <a:r>
+              <a:rPr lang="ru-RU" sz="1200" b="0" i="0" u="none" strike="noStrike" kern="1200" dirty="0">
+                <a:solidFill>
+                  <a:schemeClr val="tx1"/>
+                </a:solidFill>
+                <a:effectLst/>
+                <a:latin typeface="+mn-lt"/>
+                <a:ea typeface="+mn-ea"/>
+                <a:cs typeface="+mn-cs"/>
+              </a:rPr>
+              <a:t> баз данных есть очень умные ORM. Они сами производят вложенные запросы, сами </a:t>
+            </a:r>
+            <a:r>
+              <a:rPr lang="ru-RU" sz="1200" b="0" i="0" u="none" strike="noStrike" kern="1200" dirty="0" err="1">
+                <a:solidFill>
+                  <a:schemeClr val="tx1"/>
+                </a:solidFill>
+                <a:effectLst/>
+                <a:latin typeface="+mn-lt"/>
+                <a:ea typeface="+mn-ea"/>
+                <a:cs typeface="+mn-cs"/>
+              </a:rPr>
+              <a:t>JOIN’ят</a:t>
+            </a:r>
+            <a:r>
+              <a:rPr lang="ru-RU" sz="1200" b="0" i="0" u="none" strike="noStrike" kern="1200" dirty="0">
+                <a:solidFill>
+                  <a:schemeClr val="tx1"/>
+                </a:solidFill>
+                <a:effectLst/>
+                <a:latin typeface="+mn-lt"/>
+                <a:ea typeface="+mn-ea"/>
+                <a:cs typeface="+mn-cs"/>
+              </a:rPr>
+              <a:t> данные из разных таблиц. На клиенте не нужно делать несколько запросов и руками их объединять\пересекать. Не нужно явно выбирать искать по индексу или нет. Иногда даже не нужно их явно строить, SQL может обучиться по статистике запросов и сам понять где нужны индексы.</a:t>
+            </a:r>
             <a:endParaRPr lang="ru-RU" dirty="0"/>
           </a:p>
         </p:txBody>
@@ -15711,7 +15620,7 @@
           <a:p>
             <a:fld id="{3BAECB10-9972-4830-A584-02C41DAFD45B}" type="slidenum">
               <a:rPr lang="ru-RU" smtClean="0"/>
-              <a:t>72</a:t>
+              <a:t>71</a:t>
             </a:fld>
             <a:endParaRPr lang="ru-RU"/>
           </a:p>
@@ -15720,7 +15629,7 @@
     </p:spTree>
     <p:extLst>
       <p:ext uri="{BB962C8B-B14F-4D97-AF65-F5344CB8AC3E}">
-        <p14:creationId xmlns:p14="http://schemas.microsoft.com/office/powerpoint/2010/main" val="1411723992"/>
+        <p14:creationId xmlns:p14="http://schemas.microsoft.com/office/powerpoint/2010/main" val="2230121963"/>
       </p:ext>
     </p:extLst>
   </p:cSld>
@@ -15881,6 +15790,264 @@
           <a:bodyPr/>
           <a:lstStyle/>
           <a:p>
+            <a:pPr marL="0" marR="0" lvl="0" indent="0" algn="l" defTabSz="914400" rtl="0" eaLnBrk="1" fontAlgn="auto" latinLnBrk="0" hangingPunct="1">
+              <a:lnSpc>
+                <a:spcPct val="100000"/>
+              </a:lnSpc>
+              <a:spcBef>
+                <a:spcPts val="0"/>
+              </a:spcBef>
+              <a:spcAft>
+                <a:spcPts val="0"/>
+              </a:spcAft>
+              <a:buClrTx/>
+              <a:buSzTx/>
+              <a:buFontTx/>
+              <a:buNone/>
+              <a:tabLst/>
+              <a:defRPr/>
+            </a:pPr>
+            <a:r>
+              <a:rPr lang="ru-RU" sz="1200" b="0" i="0" u="none" strike="noStrike" kern="1200" dirty="0">
+                <a:solidFill>
+                  <a:schemeClr val="tx1"/>
+                </a:solidFill>
+                <a:effectLst/>
+                <a:latin typeface="+mn-lt"/>
+                <a:ea typeface="+mn-ea"/>
+                <a:cs typeface="+mn-cs"/>
+              </a:rPr>
+              <a:t>Отлично работают транзакции. (Распределенные транзакции</a:t>
+            </a:r>
+            <a:r>
+              <a:rPr lang="ru-RU" sz="1200" b="0" i="0" u="none" strike="noStrike" kern="1200" baseline="0" dirty="0">
+                <a:solidFill>
+                  <a:schemeClr val="tx1"/>
+                </a:solidFill>
+                <a:effectLst/>
+                <a:latin typeface="+mn-lt"/>
+                <a:ea typeface="+mn-ea"/>
+                <a:cs typeface="+mn-cs"/>
+              </a:rPr>
+              <a:t> крайне сложны и не встречаются в качественных и эффективных реализациях)</a:t>
+            </a:r>
+            <a:endParaRPr lang="ru-RU" sz="1200" b="0" i="0" u="none" strike="noStrike" kern="1200" dirty="0">
+              <a:solidFill>
+                <a:schemeClr val="tx1"/>
+              </a:solidFill>
+              <a:effectLst/>
+              <a:latin typeface="+mn-lt"/>
+              <a:ea typeface="+mn-ea"/>
+              <a:cs typeface="+mn-cs"/>
+            </a:endParaRPr>
+          </a:p>
+          <a:p>
+            <a:endParaRPr lang="ru-RU" sz="1200" b="0" i="0" u="none" strike="noStrike" kern="1200" dirty="0">
+              <a:solidFill>
+                <a:schemeClr val="tx1"/>
+              </a:solidFill>
+              <a:effectLst/>
+              <a:latin typeface="+mn-lt"/>
+              <a:ea typeface="+mn-ea"/>
+              <a:cs typeface="+mn-cs"/>
+            </a:endParaRPr>
+          </a:p>
+          <a:p>
+            <a:r>
+              <a:rPr lang="ru-RU" sz="1200" b="0" i="0" u="none" strike="noStrike" kern="1200" dirty="0">
+                <a:solidFill>
+                  <a:schemeClr val="tx1"/>
+                </a:solidFill>
+                <a:effectLst/>
+                <a:latin typeface="+mn-lt"/>
+                <a:ea typeface="+mn-ea"/>
+                <a:cs typeface="+mn-cs"/>
+              </a:rPr>
+              <a:t>Но все это отлично работает только когда система не распределена. Поэтому SQL не масштабируемая </a:t>
+            </a:r>
+            <a:r>
+              <a:rPr lang="ru-RU" sz="1200" b="0" i="0" u="none" strike="noStrike" kern="1200" dirty="0" err="1">
+                <a:solidFill>
+                  <a:schemeClr val="tx1"/>
+                </a:solidFill>
+                <a:effectLst/>
+                <a:latin typeface="+mn-lt"/>
+                <a:ea typeface="+mn-ea"/>
+                <a:cs typeface="+mn-cs"/>
+              </a:rPr>
+              <a:t>хранилка</a:t>
+            </a:r>
+            <a:r>
+              <a:rPr lang="ru-RU" sz="1200" b="0" i="0" u="none" strike="noStrike" kern="1200" dirty="0">
+                <a:solidFill>
+                  <a:schemeClr val="tx1"/>
+                </a:solidFill>
+                <a:effectLst/>
+                <a:latin typeface="+mn-lt"/>
+                <a:ea typeface="+mn-ea"/>
+                <a:cs typeface="+mn-cs"/>
+              </a:rPr>
+              <a:t>. Она может хорошо функционировать только в одном экземпляре. Поэтому, если вы хотите написать </a:t>
+            </a:r>
+            <a:r>
+              <a:rPr lang="ru-RU" sz="1200" b="0" i="0" u="none" strike="noStrike" kern="1200" dirty="0" err="1">
+                <a:solidFill>
+                  <a:schemeClr val="tx1"/>
+                </a:solidFill>
+                <a:effectLst/>
+                <a:latin typeface="+mn-lt"/>
+                <a:ea typeface="+mn-ea"/>
+                <a:cs typeface="+mn-cs"/>
+              </a:rPr>
+              <a:t>google</a:t>
+            </a:r>
+            <a:r>
+              <a:rPr lang="ru-RU" sz="1200" b="0" i="0" u="none" strike="noStrike" kern="1200" dirty="0">
+                <a:solidFill>
+                  <a:schemeClr val="tx1"/>
+                </a:solidFill>
+                <a:effectLst/>
+                <a:latin typeface="+mn-lt"/>
+                <a:ea typeface="+mn-ea"/>
+                <a:cs typeface="+mn-cs"/>
+              </a:rPr>
+              <a:t>, SQL вам явно не подойдет. Реляционная алгебра</a:t>
+            </a:r>
+            <a:r>
+              <a:rPr lang="ru-RU" sz="1200" b="0" i="0" u="none" strike="noStrike" kern="1200" baseline="0" dirty="0">
+                <a:solidFill>
+                  <a:schemeClr val="tx1"/>
+                </a:solidFill>
+                <a:effectLst/>
+                <a:latin typeface="+mn-lt"/>
+                <a:ea typeface="+mn-ea"/>
+                <a:cs typeface="+mn-cs"/>
+              </a:rPr>
+              <a:t> не применима так просто к распределенным системам. </a:t>
+            </a:r>
+            <a:r>
+              <a:rPr lang="ru-RU" sz="1200" b="0" i="0" kern="1200" dirty="0">
+                <a:solidFill>
+                  <a:schemeClr val="tx1"/>
+                </a:solidFill>
+                <a:effectLst/>
+                <a:latin typeface="+mn-lt"/>
+                <a:ea typeface="+mn-ea"/>
+                <a:cs typeface="+mn-cs"/>
+              </a:rPr>
+              <a:t>По слухам, </a:t>
+            </a:r>
+            <a:r>
+              <a:rPr lang="ru-RU" sz="1200" b="0" i="0" kern="1200" dirty="0" err="1">
+                <a:solidFill>
+                  <a:schemeClr val="tx1"/>
+                </a:solidFill>
+                <a:effectLst/>
+                <a:latin typeface="+mn-lt"/>
+                <a:ea typeface="+mn-ea"/>
+                <a:cs typeface="+mn-cs"/>
+              </a:rPr>
+              <a:t>CockroachDB</a:t>
+            </a:r>
+            <a:r>
+              <a:rPr lang="ru-RU" sz="1200" b="0" i="0" kern="1200" dirty="0">
+                <a:solidFill>
+                  <a:schemeClr val="tx1"/>
+                </a:solidFill>
+                <a:effectLst/>
+                <a:latin typeface="+mn-lt"/>
+                <a:ea typeface="+mn-ea"/>
+                <a:cs typeface="+mn-cs"/>
+              </a:rPr>
+              <a:t> как раз опровергает (пытается опровергнуть) это утверждение.</a:t>
+            </a:r>
+            <a:endParaRPr lang="ru-RU" dirty="0"/>
+          </a:p>
+          <a:p>
+            <a:endParaRPr lang="ru-RU" dirty="0"/>
+          </a:p>
+        </p:txBody>
+      </p:sp>
+      <p:sp>
+        <p:nvSpPr>
+          <p:cNvPr id="4" name="Номер слайда 3"/>
+          <p:cNvSpPr>
+            <a:spLocks noGrp="1"/>
+          </p:cNvSpPr>
+          <p:nvPr>
+            <p:ph type="sldNum" sz="quarter" idx="10"/>
+          </p:nvPr>
+        </p:nvSpPr>
+        <p:spPr/>
+        <p:txBody>
+          <a:bodyPr/>
+          <a:lstStyle/>
+          <a:p>
+            <a:fld id="{3BAECB10-9972-4830-A584-02C41DAFD45B}" type="slidenum">
+              <a:rPr lang="ru-RU" smtClean="0"/>
+              <a:t>72</a:t>
+            </a:fld>
+            <a:endParaRPr lang="ru-RU"/>
+          </a:p>
+        </p:txBody>
+      </p:sp>
+    </p:spTree>
+    <p:extLst>
+      <p:ext uri="{BB962C8B-B14F-4D97-AF65-F5344CB8AC3E}">
+        <p14:creationId xmlns:p14="http://schemas.microsoft.com/office/powerpoint/2010/main" val="1411723992"/>
+      </p:ext>
+    </p:extLst>
+  </p:cSld>
+  <p:clrMapOvr>
+    <a:masterClrMapping/>
+  </p:clrMapOvr>
+</p:notes>
+</file>
+
+<file path=ppt/notesSlides/notesSlide51.xml><?xml version="1.0" encoding="utf-8"?>
+<p:notes xmlns:a="http://schemas.openxmlformats.org/drawingml/2006/main" xmlns:r="http://schemas.openxmlformats.org/officeDocument/2006/relationships" xmlns:p="http://schemas.openxmlformats.org/presentationml/2006/main">
+  <p:cSld>
+    <p:spTree>
+      <p:nvGrpSpPr>
+        <p:cNvPr id="1" name=""/>
+        <p:cNvGrpSpPr/>
+        <p:nvPr/>
+      </p:nvGrpSpPr>
+      <p:grpSpPr>
+        <a:xfrm>
+          <a:off x="0" y="0"/>
+          <a:ext cx="0" cy="0"/>
+          <a:chOff x="0" y="0"/>
+          <a:chExt cx="0" cy="0"/>
+        </a:xfrm>
+      </p:grpSpPr>
+      <p:sp>
+        <p:nvSpPr>
+          <p:cNvPr id="2" name="Образ слайда 1"/>
+          <p:cNvSpPr>
+            <a:spLocks noGrp="1" noRot="1" noChangeAspect="1"/>
+          </p:cNvSpPr>
+          <p:nvPr>
+            <p:ph type="sldImg"/>
+          </p:nvPr>
+        </p:nvSpPr>
+        <p:spPr/>
+      </p:sp>
+      <p:sp>
+        <p:nvSpPr>
+          <p:cNvPr id="3" name="Заметки 2"/>
+          <p:cNvSpPr>
+            <a:spLocks noGrp="1"/>
+          </p:cNvSpPr>
+          <p:nvPr>
+            <p:ph type="body" idx="1"/>
+          </p:nvPr>
+        </p:nvSpPr>
+        <p:spPr/>
+        <p:txBody>
+          <a:bodyPr/>
+          <a:lstStyle/>
+          <a:p>
             <a:r>
               <a:rPr lang="ru-RU" dirty="0"/>
               <a:t>1. Изучайте</a:t>
@@ -16907,6 +17074,10 @@
             </a:r>
           </a:p>
           <a:p>
+            <a:r>
+              <a:rPr lang="ru-RU" baseline="0" dirty="0"/>
+              <a:t/>
+            </a:r>
             <a:br>
               <a:rPr lang="ru-RU" baseline="0" dirty="0"/>
             </a:br>
@@ -22110,6 +22281,10 @@
               <a:rPr lang="ru-RU" sz="2800" dirty="0"/>
               <a:t>,</a:t>
             </a:r>
+            <a:r>
+              <a:rPr lang="en-US" sz="2800" dirty="0"/>
+              <a:t/>
+            </a:r>
             <a:br>
               <a:rPr lang="en-US" sz="2800" dirty="0"/>
             </a:br>
@@ -27717,6 +27892,165 @@
       </p:grpSpPr>
       <p:sp>
         <p:nvSpPr>
+          <p:cNvPr id="2" name="Объект 1"/>
+          <p:cNvSpPr>
+            <a:spLocks noGrp="1"/>
+          </p:cNvSpPr>
+          <p:nvPr>
+            <p:ph sz="quarter" idx="13"/>
+          </p:nvPr>
+        </p:nvSpPr>
+        <p:spPr/>
+        <p:txBody>
+          <a:bodyPr/>
+          <a:lstStyle/>
+          <a:p>
+            <a:pPr marL="514350" indent="-514350">
+              <a:buFont typeface="Arial" panose="020B0604020202020204" pitchFamily="34" charset="0"/>
+              <a:buAutoNum type="arabicPeriod"/>
+            </a:pPr>
+            <a:r>
+              <a:rPr lang="ru-RU" dirty="0"/>
+              <a:t>1</a:t>
+            </a:r>
+            <a:endParaRPr lang="en-US" dirty="0"/>
+          </a:p>
+          <a:p>
+            <a:pPr marL="514350" indent="-514350">
+              <a:buFont typeface="Arial" panose="020B0604020202020204" pitchFamily="34" charset="0"/>
+              <a:buAutoNum type="arabicPeriod"/>
+            </a:pPr>
+            <a:r>
+              <a:rPr lang="ru-RU" dirty="0"/>
+              <a:t>2</a:t>
+            </a:r>
+            <a:endParaRPr lang="en-US" dirty="0"/>
+          </a:p>
+          <a:p>
+            <a:pPr marL="514350" indent="-514350">
+              <a:buAutoNum type="arabicPeriod"/>
+            </a:pPr>
+            <a:r>
+              <a:rPr lang="ru-RU" dirty="0"/>
+              <a:t>3</a:t>
+            </a:r>
+            <a:endParaRPr lang="en-US" dirty="0"/>
+          </a:p>
+          <a:p>
+            <a:pPr marL="514350" indent="-514350">
+              <a:buFont typeface="Arial" panose="020B0604020202020204" pitchFamily="34" charset="0"/>
+              <a:buAutoNum type="arabicPeriod"/>
+            </a:pPr>
+            <a:r>
+              <a:rPr lang="ru-RU" b="1" dirty="0"/>
+              <a:t>4</a:t>
+            </a:r>
+            <a:endParaRPr lang="en-US" b="1" dirty="0"/>
+          </a:p>
+          <a:p>
+            <a:pPr marL="514350" indent="-514350">
+              <a:buAutoNum type="arabicPeriod"/>
+            </a:pPr>
+            <a:r>
+              <a:rPr lang="ru-RU" b="1" dirty="0"/>
+              <a:t>50</a:t>
+            </a:r>
+            <a:endParaRPr lang="en-US" b="1" dirty="0"/>
+          </a:p>
+          <a:p>
+            <a:pPr marL="514350" indent="-514350">
+              <a:buFont typeface="Arial" panose="020B0604020202020204" pitchFamily="34" charset="0"/>
+              <a:buAutoNum type="arabicPeriod"/>
+            </a:pPr>
+            <a:r>
+              <a:rPr lang="ru-RU" b="1" dirty="0"/>
+              <a:t>60</a:t>
+            </a:r>
+            <a:endParaRPr lang="en-US" b="1" dirty="0"/>
+          </a:p>
+          <a:p>
+            <a:pPr marL="514350" indent="-514350">
+              <a:buFont typeface="Arial" panose="020B0604020202020204" pitchFamily="34" charset="0"/>
+              <a:buAutoNum type="arabicPeriod"/>
+            </a:pPr>
+            <a:r>
+              <a:rPr lang="ru-RU" dirty="0"/>
+              <a:t>70</a:t>
+            </a:r>
+            <a:endParaRPr lang="en-US" dirty="0"/>
+          </a:p>
+          <a:p>
+            <a:r>
+              <a:rPr lang="en-US" dirty="0"/>
+              <a:t>skip 1, take 3</a:t>
+            </a:r>
+            <a:r>
+              <a:rPr lang="ru-RU" dirty="0"/>
+              <a:t>, с конца</a:t>
+            </a:r>
+            <a:endParaRPr lang="en-US" dirty="0"/>
+          </a:p>
+        </p:txBody>
+      </p:sp>
+      <p:sp>
+        <p:nvSpPr>
+          <p:cNvPr id="3" name="Заголовок 2"/>
+          <p:cNvSpPr>
+            <a:spLocks noGrp="1"/>
+          </p:cNvSpPr>
+          <p:nvPr>
+            <p:ph type="title"/>
+          </p:nvPr>
+        </p:nvSpPr>
+        <p:spPr/>
+        <p:txBody>
+          <a:bodyPr/>
+          <a:lstStyle/>
+          <a:p>
+            <a:r>
+              <a:rPr lang="en-US" dirty="0"/>
+              <a:t>SKIP/</a:t>
+            </a:r>
+            <a:r>
+              <a:rPr lang="en-US" dirty="0" err="1"/>
+              <a:t>tAKE</a:t>
+            </a:r>
+            <a:endParaRPr lang="ru-RU" dirty="0"/>
+          </a:p>
+        </p:txBody>
+      </p:sp>
+    </p:spTree>
+    <p:extLst>
+      <p:ext uri="{BB962C8B-B14F-4D97-AF65-F5344CB8AC3E}">
+        <p14:creationId xmlns:p14="http://schemas.microsoft.com/office/powerpoint/2010/main" val="2539793820"/>
+      </p:ext>
+    </p:extLst>
+  </p:cSld>
+  <p:clrMapOvr>
+    <a:masterClrMapping/>
+  </p:clrMapOvr>
+</p:sld>
+</file>
+
+<file path=ppt/slides/slide43.xml><?xml version="1.0" encoding="utf-8"?>
+<p:sld xmlns:a="http://schemas.openxmlformats.org/drawingml/2006/main" xmlns:r="http://schemas.openxmlformats.org/officeDocument/2006/relationships" xmlns:p="http://schemas.openxmlformats.org/presentationml/2006/main">
+  <p:cSld>
+    <p:spTree>
+      <p:nvGrpSpPr>
+        <p:cNvPr id="1" name=""/>
+        <p:cNvGrpSpPr/>
+        <p:nvPr/>
+      </p:nvGrpSpPr>
+      <p:grpSpPr>
+        <a:xfrm>
+          <a:off x="0" y="0"/>
+          <a:ext cx="0" cy="0"/>
+          <a:chOff x="0" y="0"/>
+          <a:chExt cx="0" cy="0"/>
+        </a:xfrm>
+      </p:grpSpPr>
+      <p:sp>
+        <p:nvSpPr>
           <p:cNvPr id="3" name="Заголовок 2"/>
           <p:cNvSpPr>
             <a:spLocks noGrp="1"/>
@@ -28436,7 +28770,7 @@
 </p:sld>
 </file>
 
-<file path=ppt/slides/slide43.xml><?xml version="1.0" encoding="utf-8"?>
+<file path=ppt/slides/slide44.xml><?xml version="1.0" encoding="utf-8"?>
 <p:sld xmlns:a="http://schemas.openxmlformats.org/drawingml/2006/main" xmlns:r="http://schemas.openxmlformats.org/officeDocument/2006/relationships" xmlns:p="http://schemas.openxmlformats.org/presentationml/2006/main">
   <p:cSld>
     <p:spTree>
@@ -28473,10 +28807,13 @@
               <a:buAutoNum type="arabicPeriod"/>
             </a:pPr>
             <a:r>
-              <a:rPr lang="ru-RU" dirty="0"/>
+              <a:rPr lang="ru-RU" strike="sngStrike" dirty="0"/>
               <a:t>1</a:t>
             </a:r>
-            <a:endParaRPr lang="en-US" dirty="0"/>
+            <a:r>
+              <a:rPr lang="en-US" strike="sngStrike" dirty="0"/>
+              <a:t>, cat</a:t>
+            </a:r>
           </a:p>
           <a:p>
             <a:pPr marL="514350" indent="-514350">
@@ -28494,10 +28831,10 @@
               <a:buAutoNum type="arabicPeriod"/>
             </a:pPr>
             <a:r>
-              <a:rPr lang="ru-RU" dirty="0"/>
+              <a:rPr lang="ru-RU" b="1" dirty="0"/>
               <a:t>3</a:t>
             </a:r>
-            <a:endParaRPr lang="en-US" dirty="0"/>
+            <a:endParaRPr lang="en-US" b="1" dirty="0"/>
           </a:p>
           <a:p>
             <a:pPr marL="514350" indent="-514350">
@@ -28526,10 +28863,13 @@
               <a:buAutoNum type="arabicPeriod"/>
             </a:pPr>
             <a:r>
-              <a:rPr lang="ru-RU" b="1" dirty="0"/>
+              <a:rPr lang="ru-RU" strike="sngStrike" dirty="0"/>
               <a:t>60</a:t>
             </a:r>
-            <a:endParaRPr lang="en-US" b="1" dirty="0"/>
+            <a:r>
+              <a:rPr lang="en-US" strike="sngStrike" dirty="0"/>
+              <a:t>, cat</a:t>
+            </a:r>
           </a:p>
           <a:p>
             <a:pPr marL="514350" indent="-514350">
@@ -28539,17 +28879,6 @@
             <a:r>
               <a:rPr lang="ru-RU" dirty="0"/>
               <a:t>70</a:t>
-            </a:r>
-            <a:endParaRPr lang="en-US" dirty="0"/>
-          </a:p>
-          <a:p>
-            <a:r>
-              <a:rPr lang="en-US" dirty="0"/>
-              <a:t>skip 1, take 3</a:t>
-            </a:r>
-            <a:r>
-              <a:rPr lang="ru-RU" dirty="0"/>
-              <a:t>, с конца</a:t>
             </a:r>
             <a:endParaRPr lang="en-US" dirty="0"/>
           </a:p>
@@ -28571,12 +28900,8 @@
           <a:lstStyle/>
           <a:p>
             <a:r>
-              <a:rPr lang="en-US" dirty="0"/>
-              <a:t>SKIP/</a:t>
-            </a:r>
-            <a:r>
-              <a:rPr lang="en-US" dirty="0" err="1"/>
-              <a:t>tAKE</a:t>
+              <a:rPr lang="ru-RU" dirty="0" err="1"/>
+              <a:t>фИЛЬТРАЦИЯ</a:t>
             </a:r>
             <a:endParaRPr lang="ru-RU" dirty="0"/>
           </a:p>
@@ -28585,7 +28910,7 @@
     </p:spTree>
     <p:extLst>
       <p:ext uri="{BB962C8B-B14F-4D97-AF65-F5344CB8AC3E}">
-        <p14:creationId xmlns:p14="http://schemas.microsoft.com/office/powerpoint/2010/main" val="2539793820"/>
+        <p14:creationId xmlns:p14="http://schemas.microsoft.com/office/powerpoint/2010/main" val="4037566665"/>
       </p:ext>
     </p:extLst>
   </p:cSld>
@@ -28595,7 +28920,7 @@
 </p:sld>
 </file>
 
-<file path=ppt/slides/slide44.xml><?xml version="1.0" encoding="utf-8"?>
+<file path=ppt/slides/slide45.xml><?xml version="1.0" encoding="utf-8"?>
 <p:sld xmlns:a="http://schemas.openxmlformats.org/drawingml/2006/main" xmlns:r="http://schemas.openxmlformats.org/officeDocument/2006/relationships" xmlns:p="http://schemas.openxmlformats.org/presentationml/2006/main">
   <p:cSld>
     <p:spTree>
@@ -28723,6 +29048,10 @@
               <a:rPr lang="en-US" dirty="0"/>
               <a:t>,</a:t>
             </a:r>
+            <a:r>
+              <a:rPr lang="ru-RU" dirty="0"/>
+              <a:t/>
+            </a:r>
             <a:br>
               <a:rPr lang="ru-RU" dirty="0"/>
             </a:br>
@@ -28857,6 +29186,10 @@
             <a:r>
               <a:rPr lang="en-US" dirty="0"/>
               <a:t>1,</a:t>
+            </a:r>
+            <a:r>
+              <a:rPr lang="ru-RU" dirty="0"/>
+              <a:t/>
             </a:r>
             <a:br>
               <a:rPr lang="ru-RU" dirty="0"/>
@@ -29309,156 +29642,6 @@
     <p:extLst>
       <p:ext uri="{BB962C8B-B14F-4D97-AF65-F5344CB8AC3E}">
         <p14:creationId xmlns:p14="http://schemas.microsoft.com/office/powerpoint/2010/main" val="1024631458"/>
-      </p:ext>
-    </p:extLst>
-  </p:cSld>
-  <p:clrMapOvr>
-    <a:masterClrMapping/>
-  </p:clrMapOvr>
-</p:sld>
-</file>
-
-<file path=ppt/slides/slide45.xml><?xml version="1.0" encoding="utf-8"?>
-<p:sld xmlns:a="http://schemas.openxmlformats.org/drawingml/2006/main" xmlns:r="http://schemas.openxmlformats.org/officeDocument/2006/relationships" xmlns:p="http://schemas.openxmlformats.org/presentationml/2006/main">
-  <p:cSld>
-    <p:spTree>
-      <p:nvGrpSpPr>
-        <p:cNvPr id="1" name=""/>
-        <p:cNvGrpSpPr/>
-        <p:nvPr/>
-      </p:nvGrpSpPr>
-      <p:grpSpPr>
-        <a:xfrm>
-          <a:off x="0" y="0"/>
-          <a:ext cx="0" cy="0"/>
-          <a:chOff x="0" y="0"/>
-          <a:chExt cx="0" cy="0"/>
-        </a:xfrm>
-      </p:grpSpPr>
-      <p:sp>
-        <p:nvSpPr>
-          <p:cNvPr id="2" name="Объект 1"/>
-          <p:cNvSpPr>
-            <a:spLocks noGrp="1"/>
-          </p:cNvSpPr>
-          <p:nvPr>
-            <p:ph sz="quarter" idx="13"/>
-          </p:nvPr>
-        </p:nvSpPr>
-        <p:spPr/>
-        <p:txBody>
-          <a:bodyPr/>
-          <a:lstStyle/>
-          <a:p>
-            <a:pPr marL="514350" indent="-514350">
-              <a:buFont typeface="Arial" panose="020B0604020202020204" pitchFamily="34" charset="0"/>
-              <a:buAutoNum type="arabicPeriod"/>
-            </a:pPr>
-            <a:r>
-              <a:rPr lang="ru-RU" strike="sngStrike" dirty="0"/>
-              <a:t>1</a:t>
-            </a:r>
-            <a:r>
-              <a:rPr lang="en-US" strike="sngStrike" dirty="0"/>
-              <a:t>, cat</a:t>
-            </a:r>
-          </a:p>
-          <a:p>
-            <a:pPr marL="514350" indent="-514350">
-              <a:buFont typeface="Arial" panose="020B0604020202020204" pitchFamily="34" charset="0"/>
-              <a:buAutoNum type="arabicPeriod"/>
-            </a:pPr>
-            <a:r>
-              <a:rPr lang="ru-RU" dirty="0"/>
-              <a:t>2</a:t>
-            </a:r>
-            <a:endParaRPr lang="en-US" dirty="0"/>
-          </a:p>
-          <a:p>
-            <a:pPr marL="514350" indent="-514350">
-              <a:buAutoNum type="arabicPeriod"/>
-            </a:pPr>
-            <a:r>
-              <a:rPr lang="ru-RU" b="1" dirty="0"/>
-              <a:t>3</a:t>
-            </a:r>
-            <a:endParaRPr lang="en-US" b="1" dirty="0"/>
-          </a:p>
-          <a:p>
-            <a:pPr marL="514350" indent="-514350">
-              <a:buFont typeface="Arial" panose="020B0604020202020204" pitchFamily="34" charset="0"/>
-              <a:buAutoNum type="arabicPeriod"/>
-            </a:pPr>
-            <a:r>
-              <a:rPr lang="ru-RU" b="1" dirty="0"/>
-              <a:t>4</a:t>
-            </a:r>
-            <a:endParaRPr lang="en-US" b="1" dirty="0"/>
-          </a:p>
-          <a:p>
-            <a:pPr marL="514350" indent="-514350">
-              <a:buAutoNum type="arabicPeriod"/>
-            </a:pPr>
-            <a:r>
-              <a:rPr lang="ru-RU" b="1" dirty="0"/>
-              <a:t>50</a:t>
-            </a:r>
-            <a:endParaRPr lang="en-US" b="1" dirty="0"/>
-          </a:p>
-          <a:p>
-            <a:pPr marL="514350" indent="-514350">
-              <a:buFont typeface="Arial" panose="020B0604020202020204" pitchFamily="34" charset="0"/>
-              <a:buAutoNum type="arabicPeriod"/>
-            </a:pPr>
-            <a:r>
-              <a:rPr lang="ru-RU" strike="sngStrike" dirty="0"/>
-              <a:t>60</a:t>
-            </a:r>
-            <a:r>
-              <a:rPr lang="en-US" strike="sngStrike" dirty="0"/>
-              <a:t>, cat</a:t>
-            </a:r>
-          </a:p>
-          <a:p>
-            <a:pPr marL="514350" indent="-514350">
-              <a:buFont typeface="Arial" panose="020B0604020202020204" pitchFamily="34" charset="0"/>
-              <a:buAutoNum type="arabicPeriod"/>
-            </a:pPr>
-            <a:r>
-              <a:rPr lang="ru-RU" dirty="0"/>
-              <a:t>70</a:t>
-            </a:r>
-            <a:endParaRPr lang="en-US" dirty="0"/>
-          </a:p>
-        </p:txBody>
-      </p:sp>
-      <p:sp>
-        <p:nvSpPr>
-          <p:cNvPr id="3" name="Заголовок 2"/>
-          <p:cNvSpPr>
-            <a:spLocks noGrp="1"/>
-          </p:cNvSpPr>
-          <p:nvPr>
-            <p:ph type="title"/>
-          </p:nvPr>
-        </p:nvSpPr>
-        <p:spPr/>
-        <p:txBody>
-          <a:bodyPr/>
-          <a:lstStyle/>
-          <a:p>
-            <a:r>
-              <a:rPr lang="ru-RU" dirty="0" err="1"/>
-              <a:t>фИЛЬТРАЦИЯ</a:t>
-            </a:r>
-            <a:endParaRPr lang="ru-RU" dirty="0"/>
-          </a:p>
-        </p:txBody>
-      </p:sp>
-    </p:spTree>
-    <p:extLst>
-      <p:ext uri="{BB962C8B-B14F-4D97-AF65-F5344CB8AC3E}">
-        <p14:creationId xmlns:p14="http://schemas.microsoft.com/office/powerpoint/2010/main" val="4037566665"/>
       </p:ext>
     </p:extLst>
   </p:cSld>
@@ -33654,6 +33837,10 @@
               <a:rPr lang="ru-RU" dirty="0"/>
               <a:t>Можно ли обойтись двумя индексами </a:t>
             </a:r>
+            <a:r>
+              <a:rPr lang="en-US" dirty="0"/>
+              <a:t/>
+            </a:r>
             <a:br>
               <a:rPr lang="en-US" dirty="0"/>
             </a:br>
@@ -34272,6 +34459,13 @@
   <p:clrMapOvr>
     <a:masterClrMapping/>
   </p:clrMapOvr>
+  <p:timing>
+    <p:tnLst>
+      <p:par>
+        <p:cTn id="1" dur="indefinite" restart="never" nodeType="tmRoot"/>
+      </p:par>
+    </p:tnLst>
+  </p:timing>
 </p:sld>
 </file>
 
@@ -34304,76 +34498,98 @@
         </p:nvSpPr>
         <p:spPr/>
         <p:txBody>
-          <a:bodyPr/>
+          <a:bodyPr>
+            <a:normAutofit/>
+          </a:bodyPr>
           <a:lstStyle/>
           <a:p>
             <a:r>
-              <a:rPr lang="en-US" b="1" dirty="0" err="1"/>
+              <a:rPr lang="en-US" sz="3000" dirty="0" err="1" smtClean="0"/>
               <a:t>HotelId</a:t>
             </a:r>
             <a:r>
-              <a:rPr lang="en-US" b="1" dirty="0"/>
+              <a:rPr lang="en-US" sz="3000" dirty="0" smtClean="0"/>
               <a:t>, </a:t>
             </a:r>
             <a:r>
-              <a:rPr lang="en-US" b="1" dirty="0" err="1"/>
+              <a:rPr lang="en-US" sz="3000" dirty="0" err="1" smtClean="0"/>
               <a:t>RoomId</a:t>
             </a:r>
             <a:r>
-              <a:rPr lang="en-US" b="1" dirty="0"/>
+              <a:rPr lang="en-US" sz="3000" dirty="0" smtClean="0"/>
               <a:t>, To</a:t>
             </a:r>
           </a:p>
           <a:p>
             <a:r>
-              <a:rPr lang="en-US" dirty="0"/>
+              <a:rPr lang="en-US" sz="3000" dirty="0" smtClean="0">
+                <a:solidFill>
+                  <a:schemeClr val="tx2"/>
+                </a:solidFill>
+              </a:rPr>
               <a:t>1, 100, 2019-01-10</a:t>
             </a:r>
           </a:p>
           <a:p>
             <a:r>
-              <a:rPr lang="en-US" dirty="0"/>
+              <a:rPr lang="en-US" sz="3000" dirty="0" smtClean="0">
+                <a:solidFill>
+                  <a:schemeClr val="tx2"/>
+                </a:solidFill>
+              </a:rPr>
               <a:t>2, 200, 2019-01-02</a:t>
             </a:r>
           </a:p>
           <a:p>
             <a:r>
-              <a:rPr lang="en-US" dirty="0"/>
+              <a:rPr lang="en-US" sz="3000" b="1" dirty="0" smtClean="0">
+                <a:solidFill>
+                  <a:schemeClr val="tx2"/>
+                </a:solidFill>
+              </a:rPr>
               <a:t>2, 200, 2019-01-05</a:t>
             </a:r>
           </a:p>
           <a:p>
             <a:r>
-              <a:rPr lang="en-US" dirty="0"/>
+              <a:rPr lang="en-US" sz="3000" dirty="0" smtClean="0">
+                <a:solidFill>
+                  <a:schemeClr val="tx2"/>
+                </a:solidFill>
+              </a:rPr>
               <a:t>2, 201, 2019-01-03</a:t>
             </a:r>
           </a:p>
           <a:p>
             <a:r>
-              <a:rPr lang="en-US" dirty="0"/>
+              <a:rPr lang="en-US" sz="3000" dirty="0" smtClean="0">
+                <a:solidFill>
+                  <a:schemeClr val="tx2"/>
+                </a:solidFill>
+              </a:rPr>
               <a:t>…</a:t>
             </a:r>
           </a:p>
           <a:p>
             <a:r>
-              <a:rPr lang="en-US" dirty="0"/>
+              <a:rPr lang="en-US" sz="3000" b="1" dirty="0" smtClean="0">
+                <a:solidFill>
+                  <a:schemeClr val="tx2"/>
+                </a:solidFill>
+              </a:rPr>
               <a:t>2, 299, 2019-01-10</a:t>
             </a:r>
           </a:p>
           <a:p>
             <a:r>
-              <a:rPr lang="en-US" dirty="0"/>
+              <a:rPr lang="en-US" sz="3000" dirty="0" smtClean="0">
+                <a:solidFill>
+                  <a:schemeClr val="tx2"/>
+                </a:solidFill>
+              </a:rPr>
               <a:t>3, 300, 2019-01-01</a:t>
             </a:r>
-          </a:p>
-          <a:p>
-            <a:endParaRPr lang="en-US" dirty="0"/>
-          </a:p>
-          <a:p>
-            <a:endParaRPr lang="en-US" dirty="0"/>
-          </a:p>
-          <a:p>
-            <a:endParaRPr lang="en-US" dirty="0"/>
+            <a:endParaRPr lang="en-US" sz="3000" dirty="0"/>
           </a:p>
         </p:txBody>
       </p:sp>
@@ -34393,10 +34609,184 @@
           <a:lstStyle/>
           <a:p>
             <a:r>
-              <a:rPr lang="ru-RU" dirty="0"/>
-              <a:t>Составные индексы</a:t>
+              <a:rPr lang="ru-RU" dirty="0" smtClean="0"/>
+              <a:t>Нужны оба составных!</a:t>
             </a:r>
             <a:endParaRPr lang="en-US" dirty="0"/>
+          </a:p>
+        </p:txBody>
+      </p:sp>
+      <p:sp>
+        <p:nvSpPr>
+          <p:cNvPr id="4" name="TextBox 3"/>
+          <p:cNvSpPr txBox="1"/>
+          <p:nvPr/>
+        </p:nvSpPr>
+        <p:spPr>
+          <a:xfrm>
+            <a:off x="5952243" y="1651168"/>
+            <a:ext cx="4325223" cy="954107"/>
+          </a:xfrm>
+          <a:prstGeom prst="rect">
+            <a:avLst/>
+          </a:prstGeom>
+          <a:noFill/>
+        </p:spPr>
+        <p:txBody>
+          <a:bodyPr wrap="none" rtlCol="0">
+            <a:spAutoFit/>
+          </a:bodyPr>
+          <a:lstStyle/>
+          <a:p>
+            <a:r>
+              <a:rPr lang="en-US" sz="2800" dirty="0" smtClean="0">
+                <a:latin typeface="Consolas" panose="020B0609020204030204" pitchFamily="49" charset="0"/>
+              </a:rPr>
+              <a:t>(</a:t>
+            </a:r>
+            <a:r>
+              <a:rPr lang="en-US" sz="2800" dirty="0" err="1" smtClean="0">
+                <a:latin typeface="Consolas" panose="020B0609020204030204" pitchFamily="49" charset="0"/>
+              </a:rPr>
+              <a:t>HotelId</a:t>
+            </a:r>
+            <a:r>
+              <a:rPr lang="en-US" sz="2800" dirty="0" smtClean="0">
+                <a:latin typeface="Consolas" panose="020B0609020204030204" pitchFamily="49" charset="0"/>
+              </a:rPr>
+              <a:t>, </a:t>
+            </a:r>
+            <a:r>
+              <a:rPr lang="en-US" sz="2800" dirty="0" err="1" smtClean="0">
+                <a:latin typeface="Consolas" panose="020B0609020204030204" pitchFamily="49" charset="0"/>
+              </a:rPr>
+              <a:t>RoomId</a:t>
+            </a:r>
+            <a:r>
+              <a:rPr lang="en-US" sz="2800" dirty="0" smtClean="0">
+                <a:latin typeface="Consolas" panose="020B0609020204030204" pitchFamily="49" charset="0"/>
+              </a:rPr>
+              <a:t>, To)</a:t>
+            </a:r>
+            <a:br>
+              <a:rPr lang="en-US" sz="2800" dirty="0" smtClean="0">
+                <a:latin typeface="Consolas" panose="020B0609020204030204" pitchFamily="49" charset="0"/>
+              </a:rPr>
+            </a:br>
+            <a:r>
+              <a:rPr lang="ru-RU" sz="2800" dirty="0" smtClean="0">
+                <a:latin typeface="Consolas" panose="020B0609020204030204" pitchFamily="49" charset="0"/>
+              </a:rPr>
+              <a:t>заменит</a:t>
+            </a:r>
+            <a:r>
+              <a:rPr lang="en-US" sz="2800" dirty="0" smtClean="0">
+                <a:latin typeface="Consolas" panose="020B0609020204030204" pitchFamily="49" charset="0"/>
+              </a:rPr>
+              <a:t> (</a:t>
+            </a:r>
+            <a:r>
+              <a:rPr lang="en-US" sz="2800" dirty="0" err="1" smtClean="0">
+                <a:latin typeface="Consolas" panose="020B0609020204030204" pitchFamily="49" charset="0"/>
+              </a:rPr>
+              <a:t>RoomId</a:t>
+            </a:r>
+            <a:r>
+              <a:rPr lang="en-US" sz="2800" dirty="0" smtClean="0">
+                <a:latin typeface="Consolas" panose="020B0609020204030204" pitchFamily="49" charset="0"/>
+              </a:rPr>
+              <a:t>, To)</a:t>
+            </a:r>
+            <a:endParaRPr lang="ru-RU" sz="2800" dirty="0">
+              <a:latin typeface="Consolas" panose="020B0609020204030204" pitchFamily="49" charset="0"/>
+            </a:endParaRPr>
+          </a:p>
+        </p:txBody>
+      </p:sp>
+      <p:sp>
+        <p:nvSpPr>
+          <p:cNvPr id="5" name="TextBox 4"/>
+          <p:cNvSpPr txBox="1"/>
+          <p:nvPr/>
+        </p:nvSpPr>
+        <p:spPr>
+          <a:xfrm>
+            <a:off x="5952243" y="2892615"/>
+            <a:ext cx="4916731" cy="954107"/>
+          </a:xfrm>
+          <a:prstGeom prst="rect">
+            <a:avLst/>
+          </a:prstGeom>
+          <a:noFill/>
+        </p:spPr>
+        <p:txBody>
+          <a:bodyPr wrap="none" rtlCol="0">
+            <a:spAutoFit/>
+          </a:bodyPr>
+          <a:lstStyle/>
+          <a:p>
+            <a:r>
+              <a:rPr lang="en-US" sz="2800" dirty="0" smtClean="0">
+                <a:latin typeface="Consolas" panose="020B0609020204030204" pitchFamily="49" charset="0"/>
+              </a:rPr>
+              <a:t>(</a:t>
+            </a:r>
+            <a:r>
+              <a:rPr lang="en-US" sz="2800" dirty="0" err="1" smtClean="0">
+                <a:latin typeface="Consolas" panose="020B0609020204030204" pitchFamily="49" charset="0"/>
+              </a:rPr>
+              <a:t>HotelId</a:t>
+            </a:r>
+            <a:r>
+              <a:rPr lang="en-US" sz="2800" dirty="0" smtClean="0">
+                <a:latin typeface="Consolas" panose="020B0609020204030204" pitchFamily="49" charset="0"/>
+              </a:rPr>
+              <a:t>, </a:t>
+            </a:r>
+            <a:r>
+              <a:rPr lang="en-US" sz="2800" dirty="0" err="1" smtClean="0">
+                <a:latin typeface="Consolas" panose="020B0609020204030204" pitchFamily="49" charset="0"/>
+              </a:rPr>
+              <a:t>RoomId</a:t>
+            </a:r>
+            <a:r>
+              <a:rPr lang="en-US" sz="2800" dirty="0" smtClean="0">
+                <a:latin typeface="Consolas" panose="020B0609020204030204" pitchFamily="49" charset="0"/>
+              </a:rPr>
+              <a:t>, To)</a:t>
+            </a:r>
+            <a:br>
+              <a:rPr lang="en-US" sz="2800" dirty="0" smtClean="0">
+                <a:latin typeface="Consolas" panose="020B0609020204030204" pitchFamily="49" charset="0"/>
+              </a:rPr>
+            </a:br>
+            <a:r>
+              <a:rPr lang="ru-RU" sz="2800" dirty="0" smtClean="0">
+                <a:latin typeface="Consolas" panose="020B0609020204030204" pitchFamily="49" charset="0"/>
+              </a:rPr>
+              <a:t>НЕ заменит</a:t>
+            </a:r>
+            <a:r>
+              <a:rPr lang="en-US" sz="2800" dirty="0" smtClean="0">
+                <a:latin typeface="Consolas" panose="020B0609020204030204" pitchFamily="49" charset="0"/>
+              </a:rPr>
+              <a:t> (</a:t>
+            </a:r>
+            <a:r>
+              <a:rPr lang="en-US" sz="2800" dirty="0" err="1" smtClean="0">
+                <a:latin typeface="Consolas" panose="020B0609020204030204" pitchFamily="49" charset="0"/>
+              </a:rPr>
+              <a:t>HotelId</a:t>
+            </a:r>
+            <a:r>
+              <a:rPr lang="en-US" sz="2800" dirty="0" smtClean="0">
+                <a:latin typeface="Consolas" panose="020B0609020204030204" pitchFamily="49" charset="0"/>
+              </a:rPr>
+              <a:t>, To)</a:t>
+            </a:r>
+            <a:endParaRPr lang="ru-RU" sz="2800" dirty="0">
+              <a:latin typeface="Consolas" panose="020B0609020204030204" pitchFamily="49" charset="0"/>
+            </a:endParaRPr>
           </a:p>
         </p:txBody>
       </p:sp>
@@ -34410,6 +34800,13 @@
   <p:clrMapOvr>
     <a:masterClrMapping/>
   </p:clrMapOvr>
+  <p:timing>
+    <p:tnLst>
+      <p:par>
+        <p:cTn id="1" dur="indefinite" restart="never" nodeType="tmRoot"/>
+      </p:par>
+    </p:tnLst>
+  </p:timing>
 </p:sld>
 </file>
 
@@ -34466,6 +34863,10 @@
               <a:rPr lang="ru-RU" dirty="0"/>
               <a:t>Полностью в родителе</a:t>
             </a:r>
+            <a:r>
+              <a:rPr lang="en-US" dirty="0"/>
+              <a:t/>
+            </a:r>
             <a:br>
               <a:rPr lang="en-US" dirty="0"/>
             </a:br>
@@ -34491,6 +34892,10 @@
             <a:r>
               <a:rPr lang="ru-RU" dirty="0"/>
               <a:t>Идентификаторы в родителе</a:t>
+            </a:r>
+            <a:r>
+              <a:rPr lang="en-US" dirty="0"/>
+              <a:t/>
             </a:r>
             <a:br>
               <a:rPr lang="en-US" dirty="0"/>
@@ -34585,6 +34990,13 @@
   <p:clrMapOvr>
     <a:masterClrMapping/>
   </p:clrMapOvr>
+  <p:timing>
+    <p:tnLst>
+      <p:par>
+        <p:cTn id="1" dur="indefinite" restart="never" nodeType="tmRoot"/>
+      </p:par>
+    </p:tnLst>
+  </p:timing>
 </p:sld>
 </file>
 
@@ -34625,6 +35037,10 @@
             <a:r>
               <a:rPr lang="ru-RU" dirty="0"/>
               <a:t>В реляционных БД принято «нормализовать», хранить связи в отдельной таблице</a:t>
+            </a:r>
+            <a:r>
+              <a:rPr lang="en-US" dirty="0"/>
+              <a:t/>
             </a:r>
             <a:br>
               <a:rPr lang="en-US" dirty="0"/>
